--- a/Canvas.pptx
+++ b/Canvas.pptx
@@ -5,13 +5,12 @@
     <p:sldMasterId id="2147483648" r:id="rId1"/>
   </p:sldMasterIdLst>
   <p:notesMasterIdLst>
-    <p:notesMasterId r:id="rId6"/>
+    <p:notesMasterId r:id="rId5"/>
   </p:notesMasterIdLst>
   <p:sldIdLst>
     <p:sldId id="256" r:id="rId2"/>
     <p:sldId id="257" r:id="rId3"/>
     <p:sldId id="258" r:id="rId4"/>
-    <p:sldId id="259" r:id="rId5"/>
   </p:sldIdLst>
   <p:sldSz cx="12192000" cy="6858000"/>
   <p:notesSz cx="6858000" cy="9144000"/>
@@ -548,101 +547,6 @@
     <p:extLst>
       <p:ext uri="{BB962C8B-B14F-4D97-AF65-F5344CB8AC3E}">
         <p14:creationId xmlns:p14="http://schemas.microsoft.com/office/powerpoint/2010/main" val="1632717267"/>
-      </p:ext>
-    </p:extLst>
-  </p:cSld>
-  <p:clrMapOvr>
-    <a:masterClrMapping/>
-  </p:clrMapOvr>
-</p:notes>
-</file>
-
-<file path=ppt/notesSlides/notesSlide2.xml><?xml version="1.0" encoding="utf-8"?>
-<p:notes xmlns:a="http://schemas.openxmlformats.org/drawingml/2006/main" xmlns:r="http://schemas.openxmlformats.org/officeDocument/2006/relationships" xmlns:p="http://schemas.openxmlformats.org/presentationml/2006/main">
-  <p:cSld>
-    <p:spTree>
-      <p:nvGrpSpPr>
-        <p:cNvPr id="1" name=""/>
-        <p:cNvGrpSpPr/>
-        <p:nvPr/>
-      </p:nvGrpSpPr>
-      <p:grpSpPr>
-        <a:xfrm>
-          <a:off x="0" y="0"/>
-          <a:ext cx="0" cy="0"/>
-          <a:chOff x="0" y="0"/>
-          <a:chExt cx="0" cy="0"/>
-        </a:xfrm>
-      </p:grpSpPr>
-      <p:sp>
-        <p:nvSpPr>
-          <p:cNvPr id="2" name="幻灯片图像占位符 1"/>
-          <p:cNvSpPr>
-            <a:spLocks noGrp="1" noRot="1" noChangeAspect="1"/>
-          </p:cNvSpPr>
-          <p:nvPr>
-            <p:ph type="sldImg"/>
-          </p:nvPr>
-        </p:nvSpPr>
-        <p:spPr/>
-      </p:sp>
-      <p:sp>
-        <p:nvSpPr>
-          <p:cNvPr id="3" name="备注占位符 2"/>
-          <p:cNvSpPr>
-            <a:spLocks noGrp="1"/>
-          </p:cNvSpPr>
-          <p:nvPr>
-            <p:ph type="body" idx="1"/>
-          </p:nvPr>
-        </p:nvSpPr>
-        <p:spPr/>
-        <p:txBody>
-          <a:bodyPr/>
-          <a:lstStyle/>
-          <a:p>
-            <a:r>
-              <a:rPr lang="zh-CN" altLang="en-US" dirty="0"/>
-              <a:t>图</a:t>
-            </a:r>
-            <a:r>
-              <a:rPr lang="en-US" altLang="zh-CN" dirty="0"/>
-              <a:t>1.1 </a:t>
-            </a:r>
-            <a:r>
-              <a:rPr lang="zh-CN" altLang="en-US"/>
-              <a:t>图片</a:t>
-            </a:r>
-          </a:p>
-        </p:txBody>
-      </p:sp>
-      <p:sp>
-        <p:nvSpPr>
-          <p:cNvPr id="4" name="灯片编号占位符 3"/>
-          <p:cNvSpPr>
-            <a:spLocks noGrp="1"/>
-          </p:cNvSpPr>
-          <p:nvPr>
-            <p:ph type="sldNum" sz="quarter" idx="5"/>
-          </p:nvPr>
-        </p:nvSpPr>
-        <p:spPr/>
-        <p:txBody>
-          <a:bodyPr/>
-          <a:lstStyle/>
-          <a:p>
-            <a:fld id="{C05B875F-EA19-4B1C-A9FF-1E067500577F}" type="slidenum">
-              <a:rPr lang="zh-CN" altLang="en-US" smtClean="0"/>
-              <a:t>4</a:t>
-            </a:fld>
-            <a:endParaRPr lang="zh-CN" altLang="en-US"/>
-          </a:p>
-        </p:txBody>
-      </p:sp>
-    </p:spTree>
-    <p:extLst>
-      <p:ext uri="{BB962C8B-B14F-4D97-AF65-F5344CB8AC3E}">
-        <p14:creationId xmlns:p14="http://schemas.microsoft.com/office/powerpoint/2010/main" val="2624715781"/>
       </p:ext>
     </p:extLst>
   </p:cSld>
@@ -3917,16 +3821,16 @@
           <a:p>
             <a:r>
               <a:rPr lang="zh-CN" altLang="en-US" dirty="0"/>
-              <a:t>高宜琛</a:t>
-            </a:r>
-            <a:endParaRPr lang="en-US" altLang="zh-CN" dirty="0"/>
-          </a:p>
-          <a:p>
+              <a:t>子图序号的字号统一为</a:t>
+            </a:r>
             <a:r>
               <a:rPr lang="en-US" altLang="zh-CN" dirty="0"/>
-              <a:t>2020 03 27</a:t>
-            </a:r>
-            <a:endParaRPr lang="zh-CN" altLang="en-US" dirty="0"/>
+              <a:t>18</a:t>
+            </a:r>
+            <a:r>
+              <a:rPr lang="zh-CN" altLang="en-US" dirty="0"/>
+              <a:t>，字体为新罗马</a:t>
+            </a:r>
           </a:p>
         </p:txBody>
       </p:sp>
@@ -4389,72 +4293,6 @@
     <p:extLst>
       <p:ext uri="{BB962C8B-B14F-4D97-AF65-F5344CB8AC3E}">
         <p14:creationId xmlns:p14="http://schemas.microsoft.com/office/powerpoint/2010/main" val="1532397153"/>
-      </p:ext>
-    </p:extLst>
-  </p:cSld>
-  <p:clrMapOvr>
-    <a:masterClrMapping/>
-  </p:clrMapOvr>
-</p:sld>
-</file>
-
-<file path=ppt/slides/slide4.xml><?xml version="1.0" encoding="utf-8"?>
-<p:sld xmlns:a="http://schemas.openxmlformats.org/drawingml/2006/main" xmlns:r="http://schemas.openxmlformats.org/officeDocument/2006/relationships" xmlns:p="http://schemas.openxmlformats.org/presentationml/2006/main">
-  <p:cSld>
-    <p:spTree>
-      <p:nvGrpSpPr>
-        <p:cNvPr id="1" name=""/>
-        <p:cNvGrpSpPr/>
-        <p:nvPr/>
-      </p:nvGrpSpPr>
-      <p:grpSpPr>
-        <a:xfrm>
-          <a:off x="0" y="0"/>
-          <a:ext cx="0" cy="0"/>
-          <a:chOff x="0" y="0"/>
-          <a:chExt cx="0" cy="0"/>
-        </a:xfrm>
-      </p:grpSpPr>
-      <p:pic>
-        <p:nvPicPr>
-          <p:cNvPr id="4" name="图片 3">
-            <a:extLst>
-              <a:ext uri="{FF2B5EF4-FFF2-40B4-BE49-F238E27FC236}">
-                <a16:creationId xmlns:a16="http://schemas.microsoft.com/office/drawing/2014/main" id="{1ACA711A-6189-4AA9-9B17-95C2861A3E8B}"/>
-              </a:ext>
-            </a:extLst>
-          </p:cNvPr>
-          <p:cNvPicPr>
-            <a:picLocks noChangeAspect="1"/>
-          </p:cNvPicPr>
-          <p:nvPr/>
-        </p:nvPicPr>
-        <p:blipFill>
-          <a:blip r:embed="rId3">
-            <a:extLst>
-              <a:ext uri="{28A0092B-C50C-407E-A947-70E740481C1C}">
-                <a14:useLocalDpi xmlns:a14="http://schemas.microsoft.com/office/drawing/2010/main" val="0"/>
-              </a:ext>
-            </a:extLst>
-          </a:blip>
-          <a:stretch>
-            <a:fillRect/>
-          </a:stretch>
-        </p:blipFill>
-        <p:spPr>
-          <a:xfrm>
-            <a:off x="977964" y="630693"/>
-            <a:ext cx="10236071" cy="5596613"/>
-          </a:xfrm>
-          <a:prstGeom prst="rect">
-            <a:avLst/>
-          </a:prstGeom>
-        </p:spPr>
-      </p:pic>
-    </p:spTree>
-    <p:extLst>
-      <p:ext uri="{BB962C8B-B14F-4D97-AF65-F5344CB8AC3E}">
-        <p14:creationId xmlns:p14="http://schemas.microsoft.com/office/powerpoint/2010/main" val="1970118287"/>
       </p:ext>
     </p:extLst>
   </p:cSld>

--- a/Canvas.pptx
+++ b/Canvas.pptx
@@ -5,12 +5,30 @@
     <p:sldMasterId id="2147483648" r:id="rId1"/>
   </p:sldMasterIdLst>
   <p:notesMasterIdLst>
-    <p:notesMasterId r:id="rId5"/>
+    <p:notesMasterId r:id="rId23"/>
   </p:notesMasterIdLst>
   <p:sldIdLst>
     <p:sldId id="256" r:id="rId2"/>
     <p:sldId id="257" r:id="rId3"/>
     <p:sldId id="258" r:id="rId4"/>
+    <p:sldId id="259" r:id="rId5"/>
+    <p:sldId id="261" r:id="rId6"/>
+    <p:sldId id="260" r:id="rId7"/>
+    <p:sldId id="262" r:id="rId8"/>
+    <p:sldId id="265" r:id="rId9"/>
+    <p:sldId id="266" r:id="rId10"/>
+    <p:sldId id="263" r:id="rId11"/>
+    <p:sldId id="268" r:id="rId12"/>
+    <p:sldId id="270" r:id="rId13"/>
+    <p:sldId id="269" r:id="rId14"/>
+    <p:sldId id="271" r:id="rId15"/>
+    <p:sldId id="272" r:id="rId16"/>
+    <p:sldId id="273" r:id="rId17"/>
+    <p:sldId id="274" r:id="rId18"/>
+    <p:sldId id="275" r:id="rId19"/>
+    <p:sldId id="276" r:id="rId20"/>
+    <p:sldId id="267" r:id="rId21"/>
+    <p:sldId id="277" r:id="rId22"/>
   </p:sldIdLst>
   <p:sldSz cx="12192000" cy="6858000"/>
   <p:notesSz cx="6858000" cy="9144000"/>
@@ -109,6 +127,11 @@
       </a:defRPr>
     </a:lvl9pPr>
   </p:defaultTextStyle>
+  <p:extLst>
+    <p:ext uri="{EFAFB233-063F-42B5-8137-9DF3F51BA10A}">
+      <p15:sldGuideLst xmlns:p15="http://schemas.microsoft.com/office/powerpoint/2012/main"/>
+    </p:ext>
+  </p:extLst>
 </p:presentation>
 </file>
 
@@ -194,7 +217,7 @@
           <a:p>
             <a:fld id="{9DD0F668-B3D7-4D8B-9E28-73271851CF3B}" type="datetimeFigureOut">
               <a:rPr lang="zh-CN" altLang="en-US" smtClean="0"/>
-              <a:t>2020/3/27</a:t>
+              <a:t>2020/4/5</a:t>
             </a:fld>
             <a:endParaRPr lang="zh-CN" altLang="en-US"/>
           </a:p>
@@ -506,17 +529,10 @@
           <a:lstStyle/>
           <a:p>
             <a:r>
-              <a:rPr lang="zh-CN" altLang="en-US" dirty="0"/>
-              <a:t>图</a:t>
-            </a:r>
-            <a:r>
               <a:rPr lang="en-US" altLang="zh-CN" dirty="0"/>
-              <a:t>1.1 </a:t>
-            </a:r>
-            <a:r>
-              <a:rPr lang="zh-CN" altLang="en-US" dirty="0"/>
-              <a:t>素材</a:t>
-            </a:r>
+              <a:t>1.1</a:t>
+            </a:r>
+            <a:endParaRPr lang="zh-CN" altLang="en-US" dirty="0"/>
           </a:p>
         </p:txBody>
       </p:sp>
@@ -547,6 +563,1502 @@
     <p:extLst>
       <p:ext uri="{BB962C8B-B14F-4D97-AF65-F5344CB8AC3E}">
         <p14:creationId xmlns:p14="http://schemas.microsoft.com/office/powerpoint/2010/main" val="1632717267"/>
+      </p:ext>
+    </p:extLst>
+  </p:cSld>
+  <p:clrMapOvr>
+    <a:masterClrMapping/>
+  </p:clrMapOvr>
+</p:notes>
+</file>
+
+<file path=ppt/notesSlides/notesSlide10.xml><?xml version="1.0" encoding="utf-8"?>
+<p:notes xmlns:a="http://schemas.openxmlformats.org/drawingml/2006/main" xmlns:r="http://schemas.openxmlformats.org/officeDocument/2006/relationships" xmlns:p="http://schemas.openxmlformats.org/presentationml/2006/main">
+  <p:cSld>
+    <p:spTree>
+      <p:nvGrpSpPr>
+        <p:cNvPr id="1" name=""/>
+        <p:cNvGrpSpPr/>
+        <p:nvPr/>
+      </p:nvGrpSpPr>
+      <p:grpSpPr>
+        <a:xfrm>
+          <a:off x="0" y="0"/>
+          <a:ext cx="0" cy="0"/>
+          <a:chOff x="0" y="0"/>
+          <a:chExt cx="0" cy="0"/>
+        </a:xfrm>
+      </p:grpSpPr>
+      <p:sp>
+        <p:nvSpPr>
+          <p:cNvPr id="2" name="幻灯片图像占位符 1"/>
+          <p:cNvSpPr>
+            <a:spLocks noGrp="1" noRot="1" noChangeAspect="1"/>
+          </p:cNvSpPr>
+          <p:nvPr>
+            <p:ph type="sldImg"/>
+          </p:nvPr>
+        </p:nvSpPr>
+        <p:spPr/>
+      </p:sp>
+      <p:sp>
+        <p:nvSpPr>
+          <p:cNvPr id="3" name="备注占位符 2"/>
+          <p:cNvSpPr>
+            <a:spLocks noGrp="1"/>
+          </p:cNvSpPr>
+          <p:nvPr>
+            <p:ph type="body" idx="1"/>
+          </p:nvPr>
+        </p:nvSpPr>
+        <p:spPr/>
+        <p:txBody>
+          <a:bodyPr/>
+          <a:lstStyle/>
+          <a:p>
+            <a:r>
+              <a:rPr lang="en-US" altLang="zh-CN" dirty="0"/>
+              <a:t>2.8</a:t>
+            </a:r>
+            <a:endParaRPr lang="zh-CN" altLang="en-US" dirty="0"/>
+          </a:p>
+        </p:txBody>
+      </p:sp>
+      <p:sp>
+        <p:nvSpPr>
+          <p:cNvPr id="4" name="灯片编号占位符 3"/>
+          <p:cNvSpPr>
+            <a:spLocks noGrp="1"/>
+          </p:cNvSpPr>
+          <p:nvPr>
+            <p:ph type="sldNum" sz="quarter" idx="5"/>
+          </p:nvPr>
+        </p:nvSpPr>
+        <p:spPr/>
+        <p:txBody>
+          <a:bodyPr/>
+          <a:lstStyle/>
+          <a:p>
+            <a:fld id="{C05B875F-EA19-4B1C-A9FF-1E067500577F}" type="slidenum">
+              <a:rPr lang="zh-CN" altLang="en-US" smtClean="0"/>
+              <a:t>13</a:t>
+            </a:fld>
+            <a:endParaRPr lang="zh-CN" altLang="en-US"/>
+          </a:p>
+        </p:txBody>
+      </p:sp>
+    </p:spTree>
+    <p:extLst>
+      <p:ext uri="{BB962C8B-B14F-4D97-AF65-F5344CB8AC3E}">
+        <p14:creationId xmlns:p14="http://schemas.microsoft.com/office/powerpoint/2010/main" val="1290671995"/>
+      </p:ext>
+    </p:extLst>
+  </p:cSld>
+  <p:clrMapOvr>
+    <a:masterClrMapping/>
+  </p:clrMapOvr>
+</p:notes>
+</file>
+
+<file path=ppt/notesSlides/notesSlide11.xml><?xml version="1.0" encoding="utf-8"?>
+<p:notes xmlns:a="http://schemas.openxmlformats.org/drawingml/2006/main" xmlns:r="http://schemas.openxmlformats.org/officeDocument/2006/relationships" xmlns:p="http://schemas.openxmlformats.org/presentationml/2006/main">
+  <p:cSld>
+    <p:spTree>
+      <p:nvGrpSpPr>
+        <p:cNvPr id="1" name=""/>
+        <p:cNvGrpSpPr/>
+        <p:nvPr/>
+      </p:nvGrpSpPr>
+      <p:grpSpPr>
+        <a:xfrm>
+          <a:off x="0" y="0"/>
+          <a:ext cx="0" cy="0"/>
+          <a:chOff x="0" y="0"/>
+          <a:chExt cx="0" cy="0"/>
+        </a:xfrm>
+      </p:grpSpPr>
+      <p:sp>
+        <p:nvSpPr>
+          <p:cNvPr id="2" name="幻灯片图像占位符 1"/>
+          <p:cNvSpPr>
+            <a:spLocks noGrp="1" noRot="1" noChangeAspect="1"/>
+          </p:cNvSpPr>
+          <p:nvPr>
+            <p:ph type="sldImg"/>
+          </p:nvPr>
+        </p:nvSpPr>
+        <p:spPr/>
+      </p:sp>
+      <p:sp>
+        <p:nvSpPr>
+          <p:cNvPr id="3" name="备注占位符 2"/>
+          <p:cNvSpPr>
+            <a:spLocks noGrp="1"/>
+          </p:cNvSpPr>
+          <p:nvPr>
+            <p:ph type="body" idx="1"/>
+          </p:nvPr>
+        </p:nvSpPr>
+        <p:spPr/>
+        <p:txBody>
+          <a:bodyPr/>
+          <a:lstStyle/>
+          <a:p>
+            <a:r>
+              <a:rPr lang="en-US" altLang="zh-CN" dirty="0"/>
+              <a:t>2.9</a:t>
+            </a:r>
+            <a:endParaRPr lang="zh-CN" altLang="en-US" dirty="0"/>
+          </a:p>
+        </p:txBody>
+      </p:sp>
+      <p:sp>
+        <p:nvSpPr>
+          <p:cNvPr id="4" name="灯片编号占位符 3"/>
+          <p:cNvSpPr>
+            <a:spLocks noGrp="1"/>
+          </p:cNvSpPr>
+          <p:nvPr>
+            <p:ph type="sldNum" sz="quarter" idx="5"/>
+          </p:nvPr>
+        </p:nvSpPr>
+        <p:spPr/>
+        <p:txBody>
+          <a:bodyPr/>
+          <a:lstStyle/>
+          <a:p>
+            <a:fld id="{C05B875F-EA19-4B1C-A9FF-1E067500577F}" type="slidenum">
+              <a:rPr lang="zh-CN" altLang="en-US" smtClean="0"/>
+              <a:t>14</a:t>
+            </a:fld>
+            <a:endParaRPr lang="zh-CN" altLang="en-US"/>
+          </a:p>
+        </p:txBody>
+      </p:sp>
+    </p:spTree>
+    <p:extLst>
+      <p:ext uri="{BB962C8B-B14F-4D97-AF65-F5344CB8AC3E}">
+        <p14:creationId xmlns:p14="http://schemas.microsoft.com/office/powerpoint/2010/main" val="1068752019"/>
+      </p:ext>
+    </p:extLst>
+  </p:cSld>
+  <p:clrMapOvr>
+    <a:masterClrMapping/>
+  </p:clrMapOvr>
+</p:notes>
+</file>
+
+<file path=ppt/notesSlides/notesSlide12.xml><?xml version="1.0" encoding="utf-8"?>
+<p:notes xmlns:a="http://schemas.openxmlformats.org/drawingml/2006/main" xmlns:r="http://schemas.openxmlformats.org/officeDocument/2006/relationships" xmlns:p="http://schemas.openxmlformats.org/presentationml/2006/main">
+  <p:cSld>
+    <p:spTree>
+      <p:nvGrpSpPr>
+        <p:cNvPr id="1" name=""/>
+        <p:cNvGrpSpPr/>
+        <p:nvPr/>
+      </p:nvGrpSpPr>
+      <p:grpSpPr>
+        <a:xfrm>
+          <a:off x="0" y="0"/>
+          <a:ext cx="0" cy="0"/>
+          <a:chOff x="0" y="0"/>
+          <a:chExt cx="0" cy="0"/>
+        </a:xfrm>
+      </p:grpSpPr>
+      <p:sp>
+        <p:nvSpPr>
+          <p:cNvPr id="2" name="幻灯片图像占位符 1"/>
+          <p:cNvSpPr>
+            <a:spLocks noGrp="1" noRot="1" noChangeAspect="1"/>
+          </p:cNvSpPr>
+          <p:nvPr>
+            <p:ph type="sldImg"/>
+          </p:nvPr>
+        </p:nvSpPr>
+        <p:spPr/>
+      </p:sp>
+      <p:sp>
+        <p:nvSpPr>
+          <p:cNvPr id="3" name="备注占位符 2"/>
+          <p:cNvSpPr>
+            <a:spLocks noGrp="1"/>
+          </p:cNvSpPr>
+          <p:nvPr>
+            <p:ph type="body" idx="1"/>
+          </p:nvPr>
+        </p:nvSpPr>
+        <p:spPr/>
+        <p:txBody>
+          <a:bodyPr/>
+          <a:lstStyle/>
+          <a:p>
+            <a:r>
+              <a:rPr lang="en-US" altLang="zh-CN" dirty="0"/>
+              <a:t>2.10</a:t>
+            </a:r>
+            <a:endParaRPr lang="zh-CN" altLang="en-US" dirty="0"/>
+          </a:p>
+        </p:txBody>
+      </p:sp>
+      <p:sp>
+        <p:nvSpPr>
+          <p:cNvPr id="4" name="灯片编号占位符 3"/>
+          <p:cNvSpPr>
+            <a:spLocks noGrp="1"/>
+          </p:cNvSpPr>
+          <p:nvPr>
+            <p:ph type="sldNum" sz="quarter" idx="5"/>
+          </p:nvPr>
+        </p:nvSpPr>
+        <p:spPr/>
+        <p:txBody>
+          <a:bodyPr/>
+          <a:lstStyle/>
+          <a:p>
+            <a:fld id="{C05B875F-EA19-4B1C-A9FF-1E067500577F}" type="slidenum">
+              <a:rPr lang="zh-CN" altLang="en-US" smtClean="0"/>
+              <a:t>15</a:t>
+            </a:fld>
+            <a:endParaRPr lang="zh-CN" altLang="en-US"/>
+          </a:p>
+        </p:txBody>
+      </p:sp>
+    </p:spTree>
+    <p:extLst>
+      <p:ext uri="{BB962C8B-B14F-4D97-AF65-F5344CB8AC3E}">
+        <p14:creationId xmlns:p14="http://schemas.microsoft.com/office/powerpoint/2010/main" val="2799581674"/>
+      </p:ext>
+    </p:extLst>
+  </p:cSld>
+  <p:clrMapOvr>
+    <a:masterClrMapping/>
+  </p:clrMapOvr>
+</p:notes>
+</file>
+
+<file path=ppt/notesSlides/notesSlide13.xml><?xml version="1.0" encoding="utf-8"?>
+<p:notes xmlns:a="http://schemas.openxmlformats.org/drawingml/2006/main" xmlns:r="http://schemas.openxmlformats.org/officeDocument/2006/relationships" xmlns:p="http://schemas.openxmlformats.org/presentationml/2006/main">
+  <p:cSld>
+    <p:spTree>
+      <p:nvGrpSpPr>
+        <p:cNvPr id="1" name=""/>
+        <p:cNvGrpSpPr/>
+        <p:nvPr/>
+      </p:nvGrpSpPr>
+      <p:grpSpPr>
+        <a:xfrm>
+          <a:off x="0" y="0"/>
+          <a:ext cx="0" cy="0"/>
+          <a:chOff x="0" y="0"/>
+          <a:chExt cx="0" cy="0"/>
+        </a:xfrm>
+      </p:grpSpPr>
+      <p:sp>
+        <p:nvSpPr>
+          <p:cNvPr id="2" name="幻灯片图像占位符 1"/>
+          <p:cNvSpPr>
+            <a:spLocks noGrp="1" noRot="1" noChangeAspect="1"/>
+          </p:cNvSpPr>
+          <p:nvPr>
+            <p:ph type="sldImg"/>
+          </p:nvPr>
+        </p:nvSpPr>
+        <p:spPr/>
+      </p:sp>
+      <p:sp>
+        <p:nvSpPr>
+          <p:cNvPr id="3" name="备注占位符 2"/>
+          <p:cNvSpPr>
+            <a:spLocks noGrp="1"/>
+          </p:cNvSpPr>
+          <p:nvPr>
+            <p:ph type="body" idx="1"/>
+          </p:nvPr>
+        </p:nvSpPr>
+        <p:spPr/>
+        <p:txBody>
+          <a:bodyPr/>
+          <a:lstStyle/>
+          <a:p>
+            <a:r>
+              <a:rPr lang="en-US" altLang="zh-CN" dirty="0"/>
+              <a:t>2.11</a:t>
+            </a:r>
+            <a:endParaRPr lang="zh-CN" altLang="en-US" dirty="0"/>
+          </a:p>
+        </p:txBody>
+      </p:sp>
+      <p:sp>
+        <p:nvSpPr>
+          <p:cNvPr id="4" name="灯片编号占位符 3"/>
+          <p:cNvSpPr>
+            <a:spLocks noGrp="1"/>
+          </p:cNvSpPr>
+          <p:nvPr>
+            <p:ph type="sldNum" sz="quarter" idx="5"/>
+          </p:nvPr>
+        </p:nvSpPr>
+        <p:spPr/>
+        <p:txBody>
+          <a:bodyPr/>
+          <a:lstStyle/>
+          <a:p>
+            <a:fld id="{C05B875F-EA19-4B1C-A9FF-1E067500577F}" type="slidenum">
+              <a:rPr lang="zh-CN" altLang="en-US" smtClean="0"/>
+              <a:t>16</a:t>
+            </a:fld>
+            <a:endParaRPr lang="zh-CN" altLang="en-US"/>
+          </a:p>
+        </p:txBody>
+      </p:sp>
+    </p:spTree>
+    <p:extLst>
+      <p:ext uri="{BB962C8B-B14F-4D97-AF65-F5344CB8AC3E}">
+        <p14:creationId xmlns:p14="http://schemas.microsoft.com/office/powerpoint/2010/main" val="2102725616"/>
+      </p:ext>
+    </p:extLst>
+  </p:cSld>
+  <p:clrMapOvr>
+    <a:masterClrMapping/>
+  </p:clrMapOvr>
+</p:notes>
+</file>
+
+<file path=ppt/notesSlides/notesSlide14.xml><?xml version="1.0" encoding="utf-8"?>
+<p:notes xmlns:a="http://schemas.openxmlformats.org/drawingml/2006/main" xmlns:r="http://schemas.openxmlformats.org/officeDocument/2006/relationships" xmlns:p="http://schemas.openxmlformats.org/presentationml/2006/main">
+  <p:cSld>
+    <p:spTree>
+      <p:nvGrpSpPr>
+        <p:cNvPr id="1" name=""/>
+        <p:cNvGrpSpPr/>
+        <p:nvPr/>
+      </p:nvGrpSpPr>
+      <p:grpSpPr>
+        <a:xfrm>
+          <a:off x="0" y="0"/>
+          <a:ext cx="0" cy="0"/>
+          <a:chOff x="0" y="0"/>
+          <a:chExt cx="0" cy="0"/>
+        </a:xfrm>
+      </p:grpSpPr>
+      <p:sp>
+        <p:nvSpPr>
+          <p:cNvPr id="2" name="幻灯片图像占位符 1"/>
+          <p:cNvSpPr>
+            <a:spLocks noGrp="1" noRot="1" noChangeAspect="1"/>
+          </p:cNvSpPr>
+          <p:nvPr>
+            <p:ph type="sldImg"/>
+          </p:nvPr>
+        </p:nvSpPr>
+        <p:spPr/>
+      </p:sp>
+      <p:sp>
+        <p:nvSpPr>
+          <p:cNvPr id="3" name="备注占位符 2"/>
+          <p:cNvSpPr>
+            <a:spLocks noGrp="1"/>
+          </p:cNvSpPr>
+          <p:nvPr>
+            <p:ph type="body" idx="1"/>
+          </p:nvPr>
+        </p:nvSpPr>
+        <p:spPr/>
+        <p:txBody>
+          <a:bodyPr/>
+          <a:lstStyle/>
+          <a:p>
+            <a:r>
+              <a:rPr lang="en-US" altLang="zh-CN" dirty="0"/>
+              <a:t>2.12</a:t>
+            </a:r>
+            <a:endParaRPr lang="zh-CN" altLang="en-US" dirty="0"/>
+          </a:p>
+        </p:txBody>
+      </p:sp>
+      <p:sp>
+        <p:nvSpPr>
+          <p:cNvPr id="4" name="灯片编号占位符 3"/>
+          <p:cNvSpPr>
+            <a:spLocks noGrp="1"/>
+          </p:cNvSpPr>
+          <p:nvPr>
+            <p:ph type="sldNum" sz="quarter" idx="5"/>
+          </p:nvPr>
+        </p:nvSpPr>
+        <p:spPr/>
+        <p:txBody>
+          <a:bodyPr/>
+          <a:lstStyle/>
+          <a:p>
+            <a:fld id="{C05B875F-EA19-4B1C-A9FF-1E067500577F}" type="slidenum">
+              <a:rPr lang="zh-CN" altLang="en-US" smtClean="0"/>
+              <a:t>17</a:t>
+            </a:fld>
+            <a:endParaRPr lang="zh-CN" altLang="en-US"/>
+          </a:p>
+        </p:txBody>
+      </p:sp>
+    </p:spTree>
+    <p:extLst>
+      <p:ext uri="{BB962C8B-B14F-4D97-AF65-F5344CB8AC3E}">
+        <p14:creationId xmlns:p14="http://schemas.microsoft.com/office/powerpoint/2010/main" val="3714262984"/>
+      </p:ext>
+    </p:extLst>
+  </p:cSld>
+  <p:clrMapOvr>
+    <a:masterClrMapping/>
+  </p:clrMapOvr>
+</p:notes>
+</file>
+
+<file path=ppt/notesSlides/notesSlide15.xml><?xml version="1.0" encoding="utf-8"?>
+<p:notes xmlns:a="http://schemas.openxmlformats.org/drawingml/2006/main" xmlns:r="http://schemas.openxmlformats.org/officeDocument/2006/relationships" xmlns:p="http://schemas.openxmlformats.org/presentationml/2006/main">
+  <p:cSld>
+    <p:spTree>
+      <p:nvGrpSpPr>
+        <p:cNvPr id="1" name=""/>
+        <p:cNvGrpSpPr/>
+        <p:nvPr/>
+      </p:nvGrpSpPr>
+      <p:grpSpPr>
+        <a:xfrm>
+          <a:off x="0" y="0"/>
+          <a:ext cx="0" cy="0"/>
+          <a:chOff x="0" y="0"/>
+          <a:chExt cx="0" cy="0"/>
+        </a:xfrm>
+      </p:grpSpPr>
+      <p:sp>
+        <p:nvSpPr>
+          <p:cNvPr id="2" name="幻灯片图像占位符 1"/>
+          <p:cNvSpPr>
+            <a:spLocks noGrp="1" noRot="1" noChangeAspect="1"/>
+          </p:cNvSpPr>
+          <p:nvPr>
+            <p:ph type="sldImg"/>
+          </p:nvPr>
+        </p:nvSpPr>
+        <p:spPr/>
+      </p:sp>
+      <p:sp>
+        <p:nvSpPr>
+          <p:cNvPr id="3" name="备注占位符 2"/>
+          <p:cNvSpPr>
+            <a:spLocks noGrp="1"/>
+          </p:cNvSpPr>
+          <p:nvPr>
+            <p:ph type="body" idx="1"/>
+          </p:nvPr>
+        </p:nvSpPr>
+        <p:spPr/>
+        <p:txBody>
+          <a:bodyPr/>
+          <a:lstStyle/>
+          <a:p>
+            <a:r>
+              <a:rPr lang="en-US" altLang="zh-CN" dirty="0"/>
+              <a:t>2.13</a:t>
+            </a:r>
+            <a:endParaRPr lang="zh-CN" altLang="en-US" dirty="0"/>
+          </a:p>
+        </p:txBody>
+      </p:sp>
+      <p:sp>
+        <p:nvSpPr>
+          <p:cNvPr id="4" name="灯片编号占位符 3"/>
+          <p:cNvSpPr>
+            <a:spLocks noGrp="1"/>
+          </p:cNvSpPr>
+          <p:nvPr>
+            <p:ph type="sldNum" sz="quarter" idx="5"/>
+          </p:nvPr>
+        </p:nvSpPr>
+        <p:spPr/>
+        <p:txBody>
+          <a:bodyPr/>
+          <a:lstStyle/>
+          <a:p>
+            <a:fld id="{C05B875F-EA19-4B1C-A9FF-1E067500577F}" type="slidenum">
+              <a:rPr lang="zh-CN" altLang="en-US" smtClean="0"/>
+              <a:t>18</a:t>
+            </a:fld>
+            <a:endParaRPr lang="zh-CN" altLang="en-US"/>
+          </a:p>
+        </p:txBody>
+      </p:sp>
+    </p:spTree>
+    <p:extLst>
+      <p:ext uri="{BB962C8B-B14F-4D97-AF65-F5344CB8AC3E}">
+        <p14:creationId xmlns:p14="http://schemas.microsoft.com/office/powerpoint/2010/main" val="2230674214"/>
+      </p:ext>
+    </p:extLst>
+  </p:cSld>
+  <p:clrMapOvr>
+    <a:masterClrMapping/>
+  </p:clrMapOvr>
+</p:notes>
+</file>
+
+<file path=ppt/notesSlides/notesSlide16.xml><?xml version="1.0" encoding="utf-8"?>
+<p:notes xmlns:a="http://schemas.openxmlformats.org/drawingml/2006/main" xmlns:r="http://schemas.openxmlformats.org/officeDocument/2006/relationships" xmlns:p="http://schemas.openxmlformats.org/presentationml/2006/main">
+  <p:cSld>
+    <p:spTree>
+      <p:nvGrpSpPr>
+        <p:cNvPr id="1" name=""/>
+        <p:cNvGrpSpPr/>
+        <p:nvPr/>
+      </p:nvGrpSpPr>
+      <p:grpSpPr>
+        <a:xfrm>
+          <a:off x="0" y="0"/>
+          <a:ext cx="0" cy="0"/>
+          <a:chOff x="0" y="0"/>
+          <a:chExt cx="0" cy="0"/>
+        </a:xfrm>
+      </p:grpSpPr>
+      <p:sp>
+        <p:nvSpPr>
+          <p:cNvPr id="2" name="幻灯片图像占位符 1"/>
+          <p:cNvSpPr>
+            <a:spLocks noGrp="1" noRot="1" noChangeAspect="1"/>
+          </p:cNvSpPr>
+          <p:nvPr>
+            <p:ph type="sldImg"/>
+          </p:nvPr>
+        </p:nvSpPr>
+        <p:spPr/>
+      </p:sp>
+      <p:sp>
+        <p:nvSpPr>
+          <p:cNvPr id="3" name="备注占位符 2"/>
+          <p:cNvSpPr>
+            <a:spLocks noGrp="1"/>
+          </p:cNvSpPr>
+          <p:nvPr>
+            <p:ph type="body" idx="1"/>
+          </p:nvPr>
+        </p:nvSpPr>
+        <p:spPr/>
+        <p:txBody>
+          <a:bodyPr/>
+          <a:lstStyle/>
+          <a:p>
+            <a:r>
+              <a:rPr lang="en-US" altLang="zh-CN" dirty="0"/>
+              <a:t>2.14</a:t>
+            </a:r>
+            <a:endParaRPr lang="zh-CN" altLang="en-US" dirty="0"/>
+          </a:p>
+        </p:txBody>
+      </p:sp>
+      <p:sp>
+        <p:nvSpPr>
+          <p:cNvPr id="4" name="灯片编号占位符 3"/>
+          <p:cNvSpPr>
+            <a:spLocks noGrp="1"/>
+          </p:cNvSpPr>
+          <p:nvPr>
+            <p:ph type="sldNum" sz="quarter" idx="5"/>
+          </p:nvPr>
+        </p:nvSpPr>
+        <p:spPr/>
+        <p:txBody>
+          <a:bodyPr/>
+          <a:lstStyle/>
+          <a:p>
+            <a:fld id="{C05B875F-EA19-4B1C-A9FF-1E067500577F}" type="slidenum">
+              <a:rPr lang="zh-CN" altLang="en-US" smtClean="0"/>
+              <a:t>19</a:t>
+            </a:fld>
+            <a:endParaRPr lang="zh-CN" altLang="en-US"/>
+          </a:p>
+        </p:txBody>
+      </p:sp>
+    </p:spTree>
+    <p:extLst>
+      <p:ext uri="{BB962C8B-B14F-4D97-AF65-F5344CB8AC3E}">
+        <p14:creationId xmlns:p14="http://schemas.microsoft.com/office/powerpoint/2010/main" val="1192554396"/>
+      </p:ext>
+    </p:extLst>
+  </p:cSld>
+  <p:clrMapOvr>
+    <a:masterClrMapping/>
+  </p:clrMapOvr>
+</p:notes>
+</file>
+
+<file path=ppt/notesSlides/notesSlide17.xml><?xml version="1.0" encoding="utf-8"?>
+<p:notes xmlns:a="http://schemas.openxmlformats.org/drawingml/2006/main" xmlns:r="http://schemas.openxmlformats.org/officeDocument/2006/relationships" xmlns:p="http://schemas.openxmlformats.org/presentationml/2006/main">
+  <p:cSld>
+    <p:spTree>
+      <p:nvGrpSpPr>
+        <p:cNvPr id="1" name=""/>
+        <p:cNvGrpSpPr/>
+        <p:nvPr/>
+      </p:nvGrpSpPr>
+      <p:grpSpPr>
+        <a:xfrm>
+          <a:off x="0" y="0"/>
+          <a:ext cx="0" cy="0"/>
+          <a:chOff x="0" y="0"/>
+          <a:chExt cx="0" cy="0"/>
+        </a:xfrm>
+      </p:grpSpPr>
+      <p:sp>
+        <p:nvSpPr>
+          <p:cNvPr id="2" name="幻灯片图像占位符 1"/>
+          <p:cNvSpPr>
+            <a:spLocks noGrp="1" noRot="1" noChangeAspect="1"/>
+          </p:cNvSpPr>
+          <p:nvPr>
+            <p:ph type="sldImg"/>
+          </p:nvPr>
+        </p:nvSpPr>
+        <p:spPr/>
+      </p:sp>
+      <p:sp>
+        <p:nvSpPr>
+          <p:cNvPr id="3" name="备注占位符 2"/>
+          <p:cNvSpPr>
+            <a:spLocks noGrp="1"/>
+          </p:cNvSpPr>
+          <p:nvPr>
+            <p:ph type="body" idx="1"/>
+          </p:nvPr>
+        </p:nvSpPr>
+        <p:spPr/>
+        <p:txBody>
+          <a:bodyPr/>
+          <a:lstStyle/>
+          <a:p>
+            <a:r>
+              <a:rPr lang="en-US" altLang="zh-CN" dirty="0"/>
+              <a:t>2.15</a:t>
+            </a:r>
+            <a:endParaRPr lang="zh-CN" altLang="en-US" dirty="0"/>
+          </a:p>
+        </p:txBody>
+      </p:sp>
+      <p:sp>
+        <p:nvSpPr>
+          <p:cNvPr id="4" name="灯片编号占位符 3"/>
+          <p:cNvSpPr>
+            <a:spLocks noGrp="1"/>
+          </p:cNvSpPr>
+          <p:nvPr>
+            <p:ph type="sldNum" sz="quarter" idx="5"/>
+          </p:nvPr>
+        </p:nvSpPr>
+        <p:spPr/>
+        <p:txBody>
+          <a:bodyPr/>
+          <a:lstStyle/>
+          <a:p>
+            <a:fld id="{C05B875F-EA19-4B1C-A9FF-1E067500577F}" type="slidenum">
+              <a:rPr lang="zh-CN" altLang="en-US" smtClean="0"/>
+              <a:t>20</a:t>
+            </a:fld>
+            <a:endParaRPr lang="zh-CN" altLang="en-US"/>
+          </a:p>
+        </p:txBody>
+      </p:sp>
+    </p:spTree>
+    <p:extLst>
+      <p:ext uri="{BB962C8B-B14F-4D97-AF65-F5344CB8AC3E}">
+        <p14:creationId xmlns:p14="http://schemas.microsoft.com/office/powerpoint/2010/main" val="1046259831"/>
+      </p:ext>
+    </p:extLst>
+  </p:cSld>
+  <p:clrMapOvr>
+    <a:masterClrMapping/>
+  </p:clrMapOvr>
+</p:notes>
+</file>
+
+<file path=ppt/notesSlides/notesSlide18.xml><?xml version="1.0" encoding="utf-8"?>
+<p:notes xmlns:a="http://schemas.openxmlformats.org/drawingml/2006/main" xmlns:r="http://schemas.openxmlformats.org/officeDocument/2006/relationships" xmlns:p="http://schemas.openxmlformats.org/presentationml/2006/main">
+  <p:cSld>
+    <p:spTree>
+      <p:nvGrpSpPr>
+        <p:cNvPr id="1" name=""/>
+        <p:cNvGrpSpPr/>
+        <p:nvPr/>
+      </p:nvGrpSpPr>
+      <p:grpSpPr>
+        <a:xfrm>
+          <a:off x="0" y="0"/>
+          <a:ext cx="0" cy="0"/>
+          <a:chOff x="0" y="0"/>
+          <a:chExt cx="0" cy="0"/>
+        </a:xfrm>
+      </p:grpSpPr>
+      <p:sp>
+        <p:nvSpPr>
+          <p:cNvPr id="2" name="幻灯片图像占位符 1"/>
+          <p:cNvSpPr>
+            <a:spLocks noGrp="1" noRot="1" noChangeAspect="1"/>
+          </p:cNvSpPr>
+          <p:nvPr>
+            <p:ph type="sldImg"/>
+          </p:nvPr>
+        </p:nvSpPr>
+        <p:spPr/>
+      </p:sp>
+      <p:sp>
+        <p:nvSpPr>
+          <p:cNvPr id="3" name="备注占位符 2"/>
+          <p:cNvSpPr>
+            <a:spLocks noGrp="1"/>
+          </p:cNvSpPr>
+          <p:nvPr>
+            <p:ph type="body" idx="1"/>
+          </p:nvPr>
+        </p:nvSpPr>
+        <p:spPr/>
+        <p:txBody>
+          <a:bodyPr/>
+          <a:lstStyle/>
+          <a:p>
+            <a:r>
+              <a:rPr lang="en-US" altLang="zh-CN" dirty="0"/>
+              <a:t>2.16</a:t>
+            </a:r>
+            <a:endParaRPr lang="zh-CN" altLang="en-US" dirty="0"/>
+          </a:p>
+        </p:txBody>
+      </p:sp>
+      <p:sp>
+        <p:nvSpPr>
+          <p:cNvPr id="4" name="灯片编号占位符 3"/>
+          <p:cNvSpPr>
+            <a:spLocks noGrp="1"/>
+          </p:cNvSpPr>
+          <p:nvPr>
+            <p:ph type="sldNum" sz="quarter" idx="5"/>
+          </p:nvPr>
+        </p:nvSpPr>
+        <p:spPr/>
+        <p:txBody>
+          <a:bodyPr/>
+          <a:lstStyle/>
+          <a:p>
+            <a:fld id="{C05B875F-EA19-4B1C-A9FF-1E067500577F}" type="slidenum">
+              <a:rPr lang="zh-CN" altLang="en-US" smtClean="0"/>
+              <a:t>21</a:t>
+            </a:fld>
+            <a:endParaRPr lang="zh-CN" altLang="en-US"/>
+          </a:p>
+        </p:txBody>
+      </p:sp>
+    </p:spTree>
+    <p:extLst>
+      <p:ext uri="{BB962C8B-B14F-4D97-AF65-F5344CB8AC3E}">
+        <p14:creationId xmlns:p14="http://schemas.microsoft.com/office/powerpoint/2010/main" val="2275905603"/>
+      </p:ext>
+    </p:extLst>
+  </p:cSld>
+  <p:clrMapOvr>
+    <a:masterClrMapping/>
+  </p:clrMapOvr>
+</p:notes>
+</file>
+
+<file path=ppt/notesSlides/notesSlide2.xml><?xml version="1.0" encoding="utf-8"?>
+<p:notes xmlns:a="http://schemas.openxmlformats.org/drawingml/2006/main" xmlns:r="http://schemas.openxmlformats.org/officeDocument/2006/relationships" xmlns:p="http://schemas.openxmlformats.org/presentationml/2006/main">
+  <p:cSld>
+    <p:spTree>
+      <p:nvGrpSpPr>
+        <p:cNvPr id="1" name=""/>
+        <p:cNvGrpSpPr/>
+        <p:nvPr/>
+      </p:nvGrpSpPr>
+      <p:grpSpPr>
+        <a:xfrm>
+          <a:off x="0" y="0"/>
+          <a:ext cx="0" cy="0"/>
+          <a:chOff x="0" y="0"/>
+          <a:chExt cx="0" cy="0"/>
+        </a:xfrm>
+      </p:grpSpPr>
+      <p:sp>
+        <p:nvSpPr>
+          <p:cNvPr id="2" name="幻灯片图像占位符 1"/>
+          <p:cNvSpPr>
+            <a:spLocks noGrp="1" noRot="1" noChangeAspect="1"/>
+          </p:cNvSpPr>
+          <p:nvPr>
+            <p:ph type="sldImg"/>
+          </p:nvPr>
+        </p:nvSpPr>
+        <p:spPr/>
+      </p:sp>
+      <p:sp>
+        <p:nvSpPr>
+          <p:cNvPr id="3" name="备注占位符 2"/>
+          <p:cNvSpPr>
+            <a:spLocks noGrp="1"/>
+          </p:cNvSpPr>
+          <p:nvPr>
+            <p:ph type="body" idx="1"/>
+          </p:nvPr>
+        </p:nvSpPr>
+        <p:spPr/>
+        <p:txBody>
+          <a:bodyPr/>
+          <a:lstStyle/>
+          <a:p>
+            <a:r>
+              <a:rPr lang="en-US" altLang="zh-CN" dirty="0"/>
+              <a:t>1.2</a:t>
+            </a:r>
+            <a:endParaRPr lang="zh-CN" altLang="en-US" dirty="0"/>
+          </a:p>
+        </p:txBody>
+      </p:sp>
+      <p:sp>
+        <p:nvSpPr>
+          <p:cNvPr id="4" name="灯片编号占位符 3"/>
+          <p:cNvSpPr>
+            <a:spLocks noGrp="1"/>
+          </p:cNvSpPr>
+          <p:nvPr>
+            <p:ph type="sldNum" sz="quarter" idx="5"/>
+          </p:nvPr>
+        </p:nvSpPr>
+        <p:spPr/>
+        <p:txBody>
+          <a:bodyPr/>
+          <a:lstStyle/>
+          <a:p>
+            <a:fld id="{C05B875F-EA19-4B1C-A9FF-1E067500577F}" type="slidenum">
+              <a:rPr lang="zh-CN" altLang="en-US" smtClean="0"/>
+              <a:t>4</a:t>
+            </a:fld>
+            <a:endParaRPr lang="zh-CN" altLang="en-US"/>
+          </a:p>
+        </p:txBody>
+      </p:sp>
+    </p:spTree>
+    <p:extLst>
+      <p:ext uri="{BB962C8B-B14F-4D97-AF65-F5344CB8AC3E}">
+        <p14:creationId xmlns:p14="http://schemas.microsoft.com/office/powerpoint/2010/main" val="707336455"/>
+      </p:ext>
+    </p:extLst>
+  </p:cSld>
+  <p:clrMapOvr>
+    <a:masterClrMapping/>
+  </p:clrMapOvr>
+</p:notes>
+</file>
+
+<file path=ppt/notesSlides/notesSlide3.xml><?xml version="1.0" encoding="utf-8"?>
+<p:notes xmlns:a="http://schemas.openxmlformats.org/drawingml/2006/main" xmlns:r="http://schemas.openxmlformats.org/officeDocument/2006/relationships" xmlns:p="http://schemas.openxmlformats.org/presentationml/2006/main">
+  <p:cSld>
+    <p:spTree>
+      <p:nvGrpSpPr>
+        <p:cNvPr id="1" name=""/>
+        <p:cNvGrpSpPr/>
+        <p:nvPr/>
+      </p:nvGrpSpPr>
+      <p:grpSpPr>
+        <a:xfrm>
+          <a:off x="0" y="0"/>
+          <a:ext cx="0" cy="0"/>
+          <a:chOff x="0" y="0"/>
+          <a:chExt cx="0" cy="0"/>
+        </a:xfrm>
+      </p:grpSpPr>
+      <p:sp>
+        <p:nvSpPr>
+          <p:cNvPr id="2" name="幻灯片图像占位符 1"/>
+          <p:cNvSpPr>
+            <a:spLocks noGrp="1" noRot="1" noChangeAspect="1"/>
+          </p:cNvSpPr>
+          <p:nvPr>
+            <p:ph type="sldImg"/>
+          </p:nvPr>
+        </p:nvSpPr>
+        <p:spPr/>
+      </p:sp>
+      <p:sp>
+        <p:nvSpPr>
+          <p:cNvPr id="3" name="备注占位符 2"/>
+          <p:cNvSpPr>
+            <a:spLocks noGrp="1"/>
+          </p:cNvSpPr>
+          <p:nvPr>
+            <p:ph type="body" idx="1"/>
+          </p:nvPr>
+        </p:nvSpPr>
+        <p:spPr/>
+        <p:txBody>
+          <a:bodyPr/>
+          <a:lstStyle/>
+          <a:p>
+            <a:r>
+              <a:rPr lang="en-US" altLang="zh-CN" dirty="0"/>
+              <a:t>2.1</a:t>
+            </a:r>
+            <a:endParaRPr lang="zh-CN" altLang="en-US" dirty="0"/>
+          </a:p>
+        </p:txBody>
+      </p:sp>
+      <p:sp>
+        <p:nvSpPr>
+          <p:cNvPr id="4" name="灯片编号占位符 3"/>
+          <p:cNvSpPr>
+            <a:spLocks noGrp="1"/>
+          </p:cNvSpPr>
+          <p:nvPr>
+            <p:ph type="sldNum" sz="quarter" idx="5"/>
+          </p:nvPr>
+        </p:nvSpPr>
+        <p:spPr/>
+        <p:txBody>
+          <a:bodyPr/>
+          <a:lstStyle/>
+          <a:p>
+            <a:fld id="{C05B875F-EA19-4B1C-A9FF-1E067500577F}" type="slidenum">
+              <a:rPr lang="zh-CN" altLang="en-US" smtClean="0"/>
+              <a:t>6</a:t>
+            </a:fld>
+            <a:endParaRPr lang="zh-CN" altLang="en-US"/>
+          </a:p>
+        </p:txBody>
+      </p:sp>
+    </p:spTree>
+    <p:extLst>
+      <p:ext uri="{BB962C8B-B14F-4D97-AF65-F5344CB8AC3E}">
+        <p14:creationId xmlns:p14="http://schemas.microsoft.com/office/powerpoint/2010/main" val="682778388"/>
+      </p:ext>
+    </p:extLst>
+  </p:cSld>
+  <p:clrMapOvr>
+    <a:masterClrMapping/>
+  </p:clrMapOvr>
+</p:notes>
+</file>
+
+<file path=ppt/notesSlides/notesSlide4.xml><?xml version="1.0" encoding="utf-8"?>
+<p:notes xmlns:a="http://schemas.openxmlformats.org/drawingml/2006/main" xmlns:r="http://schemas.openxmlformats.org/officeDocument/2006/relationships" xmlns:p="http://schemas.openxmlformats.org/presentationml/2006/main">
+  <p:cSld>
+    <p:spTree>
+      <p:nvGrpSpPr>
+        <p:cNvPr id="1" name=""/>
+        <p:cNvGrpSpPr/>
+        <p:nvPr/>
+      </p:nvGrpSpPr>
+      <p:grpSpPr>
+        <a:xfrm>
+          <a:off x="0" y="0"/>
+          <a:ext cx="0" cy="0"/>
+          <a:chOff x="0" y="0"/>
+          <a:chExt cx="0" cy="0"/>
+        </a:xfrm>
+      </p:grpSpPr>
+      <p:sp>
+        <p:nvSpPr>
+          <p:cNvPr id="2" name="幻灯片图像占位符 1"/>
+          <p:cNvSpPr>
+            <a:spLocks noGrp="1" noRot="1" noChangeAspect="1"/>
+          </p:cNvSpPr>
+          <p:nvPr>
+            <p:ph type="sldImg"/>
+          </p:nvPr>
+        </p:nvSpPr>
+        <p:spPr/>
+      </p:sp>
+      <p:sp>
+        <p:nvSpPr>
+          <p:cNvPr id="3" name="备注占位符 2"/>
+          <p:cNvSpPr>
+            <a:spLocks noGrp="1"/>
+          </p:cNvSpPr>
+          <p:nvPr>
+            <p:ph type="body" idx="1"/>
+          </p:nvPr>
+        </p:nvSpPr>
+        <p:spPr/>
+        <p:txBody>
+          <a:bodyPr/>
+          <a:lstStyle/>
+          <a:p>
+            <a:r>
+              <a:rPr lang="en-US" altLang="zh-CN" dirty="0"/>
+              <a:t>2.2</a:t>
+            </a:r>
+            <a:endParaRPr lang="zh-CN" altLang="en-US" dirty="0"/>
+          </a:p>
+        </p:txBody>
+      </p:sp>
+      <p:sp>
+        <p:nvSpPr>
+          <p:cNvPr id="4" name="灯片编号占位符 3"/>
+          <p:cNvSpPr>
+            <a:spLocks noGrp="1"/>
+          </p:cNvSpPr>
+          <p:nvPr>
+            <p:ph type="sldNum" sz="quarter" idx="5"/>
+          </p:nvPr>
+        </p:nvSpPr>
+        <p:spPr/>
+        <p:txBody>
+          <a:bodyPr/>
+          <a:lstStyle/>
+          <a:p>
+            <a:fld id="{C05B875F-EA19-4B1C-A9FF-1E067500577F}" type="slidenum">
+              <a:rPr lang="zh-CN" altLang="en-US" smtClean="0"/>
+              <a:t>7</a:t>
+            </a:fld>
+            <a:endParaRPr lang="zh-CN" altLang="en-US"/>
+          </a:p>
+        </p:txBody>
+      </p:sp>
+    </p:spTree>
+    <p:extLst>
+      <p:ext uri="{BB962C8B-B14F-4D97-AF65-F5344CB8AC3E}">
+        <p14:creationId xmlns:p14="http://schemas.microsoft.com/office/powerpoint/2010/main" val="1308974407"/>
+      </p:ext>
+    </p:extLst>
+  </p:cSld>
+  <p:clrMapOvr>
+    <a:masterClrMapping/>
+  </p:clrMapOvr>
+</p:notes>
+</file>
+
+<file path=ppt/notesSlides/notesSlide5.xml><?xml version="1.0" encoding="utf-8"?>
+<p:notes xmlns:a="http://schemas.openxmlformats.org/drawingml/2006/main" xmlns:r="http://schemas.openxmlformats.org/officeDocument/2006/relationships" xmlns:p="http://schemas.openxmlformats.org/presentationml/2006/main">
+  <p:cSld>
+    <p:spTree>
+      <p:nvGrpSpPr>
+        <p:cNvPr id="1" name=""/>
+        <p:cNvGrpSpPr/>
+        <p:nvPr/>
+      </p:nvGrpSpPr>
+      <p:grpSpPr>
+        <a:xfrm>
+          <a:off x="0" y="0"/>
+          <a:ext cx="0" cy="0"/>
+          <a:chOff x="0" y="0"/>
+          <a:chExt cx="0" cy="0"/>
+        </a:xfrm>
+      </p:grpSpPr>
+      <p:sp>
+        <p:nvSpPr>
+          <p:cNvPr id="2" name="幻灯片图像占位符 1"/>
+          <p:cNvSpPr>
+            <a:spLocks noGrp="1" noRot="1" noChangeAspect="1"/>
+          </p:cNvSpPr>
+          <p:nvPr>
+            <p:ph type="sldImg"/>
+          </p:nvPr>
+        </p:nvSpPr>
+        <p:spPr/>
+      </p:sp>
+      <p:sp>
+        <p:nvSpPr>
+          <p:cNvPr id="3" name="备注占位符 2"/>
+          <p:cNvSpPr>
+            <a:spLocks noGrp="1"/>
+          </p:cNvSpPr>
+          <p:nvPr>
+            <p:ph type="body" idx="1"/>
+          </p:nvPr>
+        </p:nvSpPr>
+        <p:spPr/>
+        <p:txBody>
+          <a:bodyPr/>
+          <a:lstStyle/>
+          <a:p>
+            <a:r>
+              <a:rPr lang="en-US" altLang="zh-CN" dirty="0"/>
+              <a:t>2.3</a:t>
+            </a:r>
+            <a:endParaRPr lang="zh-CN" altLang="en-US" dirty="0"/>
+          </a:p>
+        </p:txBody>
+      </p:sp>
+      <p:sp>
+        <p:nvSpPr>
+          <p:cNvPr id="4" name="灯片编号占位符 3"/>
+          <p:cNvSpPr>
+            <a:spLocks noGrp="1"/>
+          </p:cNvSpPr>
+          <p:nvPr>
+            <p:ph type="sldNum" sz="quarter" idx="5"/>
+          </p:nvPr>
+        </p:nvSpPr>
+        <p:spPr/>
+        <p:txBody>
+          <a:bodyPr/>
+          <a:lstStyle/>
+          <a:p>
+            <a:fld id="{C05B875F-EA19-4B1C-A9FF-1E067500577F}" type="slidenum">
+              <a:rPr lang="zh-CN" altLang="en-US" smtClean="0"/>
+              <a:t>8</a:t>
+            </a:fld>
+            <a:endParaRPr lang="zh-CN" altLang="en-US"/>
+          </a:p>
+        </p:txBody>
+      </p:sp>
+    </p:spTree>
+    <p:extLst>
+      <p:ext uri="{BB962C8B-B14F-4D97-AF65-F5344CB8AC3E}">
+        <p14:creationId xmlns:p14="http://schemas.microsoft.com/office/powerpoint/2010/main" val="683437003"/>
+      </p:ext>
+    </p:extLst>
+  </p:cSld>
+  <p:clrMapOvr>
+    <a:masterClrMapping/>
+  </p:clrMapOvr>
+</p:notes>
+</file>
+
+<file path=ppt/notesSlides/notesSlide6.xml><?xml version="1.0" encoding="utf-8"?>
+<p:notes xmlns:a="http://schemas.openxmlformats.org/drawingml/2006/main" xmlns:r="http://schemas.openxmlformats.org/officeDocument/2006/relationships" xmlns:p="http://schemas.openxmlformats.org/presentationml/2006/main">
+  <p:cSld>
+    <p:spTree>
+      <p:nvGrpSpPr>
+        <p:cNvPr id="1" name=""/>
+        <p:cNvGrpSpPr/>
+        <p:nvPr/>
+      </p:nvGrpSpPr>
+      <p:grpSpPr>
+        <a:xfrm>
+          <a:off x="0" y="0"/>
+          <a:ext cx="0" cy="0"/>
+          <a:chOff x="0" y="0"/>
+          <a:chExt cx="0" cy="0"/>
+        </a:xfrm>
+      </p:grpSpPr>
+      <p:sp>
+        <p:nvSpPr>
+          <p:cNvPr id="2" name="幻灯片图像占位符 1"/>
+          <p:cNvSpPr>
+            <a:spLocks noGrp="1" noRot="1" noChangeAspect="1"/>
+          </p:cNvSpPr>
+          <p:nvPr>
+            <p:ph type="sldImg"/>
+          </p:nvPr>
+        </p:nvSpPr>
+        <p:spPr/>
+      </p:sp>
+      <p:sp>
+        <p:nvSpPr>
+          <p:cNvPr id="3" name="备注占位符 2"/>
+          <p:cNvSpPr>
+            <a:spLocks noGrp="1"/>
+          </p:cNvSpPr>
+          <p:nvPr>
+            <p:ph type="body" idx="1"/>
+          </p:nvPr>
+        </p:nvSpPr>
+        <p:spPr/>
+        <p:txBody>
+          <a:bodyPr/>
+          <a:lstStyle/>
+          <a:p>
+            <a:r>
+              <a:rPr lang="en-US" altLang="zh-CN" dirty="0"/>
+              <a:t>2.4</a:t>
+            </a:r>
+            <a:endParaRPr lang="zh-CN" altLang="en-US" dirty="0"/>
+          </a:p>
+        </p:txBody>
+      </p:sp>
+      <p:sp>
+        <p:nvSpPr>
+          <p:cNvPr id="4" name="灯片编号占位符 3"/>
+          <p:cNvSpPr>
+            <a:spLocks noGrp="1"/>
+          </p:cNvSpPr>
+          <p:nvPr>
+            <p:ph type="sldNum" sz="quarter" idx="5"/>
+          </p:nvPr>
+        </p:nvSpPr>
+        <p:spPr/>
+        <p:txBody>
+          <a:bodyPr/>
+          <a:lstStyle/>
+          <a:p>
+            <a:fld id="{C05B875F-EA19-4B1C-A9FF-1E067500577F}" type="slidenum">
+              <a:rPr lang="zh-CN" altLang="en-US" smtClean="0"/>
+              <a:t>9</a:t>
+            </a:fld>
+            <a:endParaRPr lang="zh-CN" altLang="en-US"/>
+          </a:p>
+        </p:txBody>
+      </p:sp>
+    </p:spTree>
+    <p:extLst>
+      <p:ext uri="{BB962C8B-B14F-4D97-AF65-F5344CB8AC3E}">
+        <p14:creationId xmlns:p14="http://schemas.microsoft.com/office/powerpoint/2010/main" val="3674345708"/>
+      </p:ext>
+    </p:extLst>
+  </p:cSld>
+  <p:clrMapOvr>
+    <a:masterClrMapping/>
+  </p:clrMapOvr>
+</p:notes>
+</file>
+
+<file path=ppt/notesSlides/notesSlide7.xml><?xml version="1.0" encoding="utf-8"?>
+<p:notes xmlns:a="http://schemas.openxmlformats.org/drawingml/2006/main" xmlns:r="http://schemas.openxmlformats.org/officeDocument/2006/relationships" xmlns:p="http://schemas.openxmlformats.org/presentationml/2006/main">
+  <p:cSld>
+    <p:spTree>
+      <p:nvGrpSpPr>
+        <p:cNvPr id="1" name=""/>
+        <p:cNvGrpSpPr/>
+        <p:nvPr/>
+      </p:nvGrpSpPr>
+      <p:grpSpPr>
+        <a:xfrm>
+          <a:off x="0" y="0"/>
+          <a:ext cx="0" cy="0"/>
+          <a:chOff x="0" y="0"/>
+          <a:chExt cx="0" cy="0"/>
+        </a:xfrm>
+      </p:grpSpPr>
+      <p:sp>
+        <p:nvSpPr>
+          <p:cNvPr id="2" name="幻灯片图像占位符 1"/>
+          <p:cNvSpPr>
+            <a:spLocks noGrp="1" noRot="1" noChangeAspect="1"/>
+          </p:cNvSpPr>
+          <p:nvPr>
+            <p:ph type="sldImg"/>
+          </p:nvPr>
+        </p:nvSpPr>
+        <p:spPr/>
+      </p:sp>
+      <p:sp>
+        <p:nvSpPr>
+          <p:cNvPr id="3" name="备注占位符 2"/>
+          <p:cNvSpPr>
+            <a:spLocks noGrp="1"/>
+          </p:cNvSpPr>
+          <p:nvPr>
+            <p:ph type="body" idx="1"/>
+          </p:nvPr>
+        </p:nvSpPr>
+        <p:spPr/>
+        <p:txBody>
+          <a:bodyPr/>
+          <a:lstStyle/>
+          <a:p>
+            <a:r>
+              <a:rPr lang="en-US" altLang="zh-CN" dirty="0"/>
+              <a:t>2.5</a:t>
+            </a:r>
+            <a:endParaRPr lang="zh-CN" altLang="en-US" dirty="0"/>
+          </a:p>
+        </p:txBody>
+      </p:sp>
+      <p:sp>
+        <p:nvSpPr>
+          <p:cNvPr id="4" name="灯片编号占位符 3"/>
+          <p:cNvSpPr>
+            <a:spLocks noGrp="1"/>
+          </p:cNvSpPr>
+          <p:nvPr>
+            <p:ph type="sldNum" sz="quarter" idx="5"/>
+          </p:nvPr>
+        </p:nvSpPr>
+        <p:spPr/>
+        <p:txBody>
+          <a:bodyPr/>
+          <a:lstStyle/>
+          <a:p>
+            <a:fld id="{C05B875F-EA19-4B1C-A9FF-1E067500577F}" type="slidenum">
+              <a:rPr lang="zh-CN" altLang="en-US" smtClean="0"/>
+              <a:t>10</a:t>
+            </a:fld>
+            <a:endParaRPr lang="zh-CN" altLang="en-US"/>
+          </a:p>
+        </p:txBody>
+      </p:sp>
+    </p:spTree>
+    <p:extLst>
+      <p:ext uri="{BB962C8B-B14F-4D97-AF65-F5344CB8AC3E}">
+        <p14:creationId xmlns:p14="http://schemas.microsoft.com/office/powerpoint/2010/main" val="2002621096"/>
+      </p:ext>
+    </p:extLst>
+  </p:cSld>
+  <p:clrMapOvr>
+    <a:masterClrMapping/>
+  </p:clrMapOvr>
+</p:notes>
+</file>
+
+<file path=ppt/notesSlides/notesSlide8.xml><?xml version="1.0" encoding="utf-8"?>
+<p:notes xmlns:a="http://schemas.openxmlformats.org/drawingml/2006/main" xmlns:r="http://schemas.openxmlformats.org/officeDocument/2006/relationships" xmlns:p="http://schemas.openxmlformats.org/presentationml/2006/main">
+  <p:cSld>
+    <p:spTree>
+      <p:nvGrpSpPr>
+        <p:cNvPr id="1" name=""/>
+        <p:cNvGrpSpPr/>
+        <p:nvPr/>
+      </p:nvGrpSpPr>
+      <p:grpSpPr>
+        <a:xfrm>
+          <a:off x="0" y="0"/>
+          <a:ext cx="0" cy="0"/>
+          <a:chOff x="0" y="0"/>
+          <a:chExt cx="0" cy="0"/>
+        </a:xfrm>
+      </p:grpSpPr>
+      <p:sp>
+        <p:nvSpPr>
+          <p:cNvPr id="2" name="幻灯片图像占位符 1"/>
+          <p:cNvSpPr>
+            <a:spLocks noGrp="1" noRot="1" noChangeAspect="1"/>
+          </p:cNvSpPr>
+          <p:nvPr>
+            <p:ph type="sldImg"/>
+          </p:nvPr>
+        </p:nvSpPr>
+        <p:spPr/>
+      </p:sp>
+      <p:sp>
+        <p:nvSpPr>
+          <p:cNvPr id="3" name="备注占位符 2"/>
+          <p:cNvSpPr>
+            <a:spLocks noGrp="1"/>
+          </p:cNvSpPr>
+          <p:nvPr>
+            <p:ph type="body" idx="1"/>
+          </p:nvPr>
+        </p:nvSpPr>
+        <p:spPr/>
+        <p:txBody>
+          <a:bodyPr/>
+          <a:lstStyle/>
+          <a:p>
+            <a:r>
+              <a:rPr lang="en-US" altLang="zh-CN" dirty="0"/>
+              <a:t>2.6</a:t>
+            </a:r>
+            <a:endParaRPr lang="zh-CN" altLang="en-US" dirty="0"/>
+          </a:p>
+        </p:txBody>
+      </p:sp>
+      <p:sp>
+        <p:nvSpPr>
+          <p:cNvPr id="4" name="灯片编号占位符 3"/>
+          <p:cNvSpPr>
+            <a:spLocks noGrp="1"/>
+          </p:cNvSpPr>
+          <p:nvPr>
+            <p:ph type="sldNum" sz="quarter" idx="5"/>
+          </p:nvPr>
+        </p:nvSpPr>
+        <p:spPr/>
+        <p:txBody>
+          <a:bodyPr/>
+          <a:lstStyle/>
+          <a:p>
+            <a:fld id="{C05B875F-EA19-4B1C-A9FF-1E067500577F}" type="slidenum">
+              <a:rPr lang="zh-CN" altLang="en-US" smtClean="0"/>
+              <a:t>11</a:t>
+            </a:fld>
+            <a:endParaRPr lang="zh-CN" altLang="en-US"/>
+          </a:p>
+        </p:txBody>
+      </p:sp>
+    </p:spTree>
+    <p:extLst>
+      <p:ext uri="{BB962C8B-B14F-4D97-AF65-F5344CB8AC3E}">
+        <p14:creationId xmlns:p14="http://schemas.microsoft.com/office/powerpoint/2010/main" val="3606482023"/>
+      </p:ext>
+    </p:extLst>
+  </p:cSld>
+  <p:clrMapOvr>
+    <a:masterClrMapping/>
+  </p:clrMapOvr>
+</p:notes>
+</file>
+
+<file path=ppt/notesSlides/notesSlide9.xml><?xml version="1.0" encoding="utf-8"?>
+<p:notes xmlns:a="http://schemas.openxmlformats.org/drawingml/2006/main" xmlns:r="http://schemas.openxmlformats.org/officeDocument/2006/relationships" xmlns:p="http://schemas.openxmlformats.org/presentationml/2006/main">
+  <p:cSld>
+    <p:spTree>
+      <p:nvGrpSpPr>
+        <p:cNvPr id="1" name=""/>
+        <p:cNvGrpSpPr/>
+        <p:nvPr/>
+      </p:nvGrpSpPr>
+      <p:grpSpPr>
+        <a:xfrm>
+          <a:off x="0" y="0"/>
+          <a:ext cx="0" cy="0"/>
+          <a:chOff x="0" y="0"/>
+          <a:chExt cx="0" cy="0"/>
+        </a:xfrm>
+      </p:grpSpPr>
+      <p:sp>
+        <p:nvSpPr>
+          <p:cNvPr id="2" name="幻灯片图像占位符 1"/>
+          <p:cNvSpPr>
+            <a:spLocks noGrp="1" noRot="1" noChangeAspect="1"/>
+          </p:cNvSpPr>
+          <p:nvPr>
+            <p:ph type="sldImg"/>
+          </p:nvPr>
+        </p:nvSpPr>
+        <p:spPr/>
+      </p:sp>
+      <p:sp>
+        <p:nvSpPr>
+          <p:cNvPr id="3" name="备注占位符 2"/>
+          <p:cNvSpPr>
+            <a:spLocks noGrp="1"/>
+          </p:cNvSpPr>
+          <p:nvPr>
+            <p:ph type="body" idx="1"/>
+          </p:nvPr>
+        </p:nvSpPr>
+        <p:spPr/>
+        <p:txBody>
+          <a:bodyPr/>
+          <a:lstStyle/>
+          <a:p>
+            <a:r>
+              <a:rPr lang="en-US" altLang="zh-CN" dirty="0"/>
+              <a:t>2.7</a:t>
+            </a:r>
+            <a:endParaRPr lang="zh-CN" altLang="en-US" dirty="0"/>
+          </a:p>
+        </p:txBody>
+      </p:sp>
+      <p:sp>
+        <p:nvSpPr>
+          <p:cNvPr id="4" name="灯片编号占位符 3"/>
+          <p:cNvSpPr>
+            <a:spLocks noGrp="1"/>
+          </p:cNvSpPr>
+          <p:nvPr>
+            <p:ph type="sldNum" sz="quarter" idx="5"/>
+          </p:nvPr>
+        </p:nvSpPr>
+        <p:spPr/>
+        <p:txBody>
+          <a:bodyPr/>
+          <a:lstStyle/>
+          <a:p>
+            <a:fld id="{C05B875F-EA19-4B1C-A9FF-1E067500577F}" type="slidenum">
+              <a:rPr lang="zh-CN" altLang="en-US" smtClean="0"/>
+              <a:t>12</a:t>
+            </a:fld>
+            <a:endParaRPr lang="zh-CN" altLang="en-US"/>
+          </a:p>
+        </p:txBody>
+      </p:sp>
+    </p:spTree>
+    <p:extLst>
+      <p:ext uri="{BB962C8B-B14F-4D97-AF65-F5344CB8AC3E}">
+        <p14:creationId xmlns:p14="http://schemas.microsoft.com/office/powerpoint/2010/main" val="915193320"/>
       </p:ext>
     </p:extLst>
   </p:cSld>
@@ -703,7 +2215,7 @@
           <a:p>
             <a:fld id="{6C9F3011-421F-4611-8195-64C6EE6CB746}" type="datetimeFigureOut">
               <a:rPr lang="zh-CN" altLang="en-US" smtClean="0"/>
-              <a:t>2020/3/27</a:t>
+              <a:t>2020/4/5</a:t>
             </a:fld>
             <a:endParaRPr lang="zh-CN" altLang="en-US"/>
           </a:p>
@@ -901,7 +2413,7 @@
           <a:p>
             <a:fld id="{6C9F3011-421F-4611-8195-64C6EE6CB746}" type="datetimeFigureOut">
               <a:rPr lang="zh-CN" altLang="en-US" smtClean="0"/>
-              <a:t>2020/3/27</a:t>
+              <a:t>2020/4/5</a:t>
             </a:fld>
             <a:endParaRPr lang="zh-CN" altLang="en-US"/>
           </a:p>
@@ -1109,7 +2621,7 @@
           <a:p>
             <a:fld id="{6C9F3011-421F-4611-8195-64C6EE6CB746}" type="datetimeFigureOut">
               <a:rPr lang="zh-CN" altLang="en-US" smtClean="0"/>
-              <a:t>2020/3/27</a:t>
+              <a:t>2020/4/5</a:t>
             </a:fld>
             <a:endParaRPr lang="zh-CN" altLang="en-US"/>
           </a:p>
@@ -1307,7 +2819,7 @@
           <a:p>
             <a:fld id="{6C9F3011-421F-4611-8195-64C6EE6CB746}" type="datetimeFigureOut">
               <a:rPr lang="zh-CN" altLang="en-US" smtClean="0"/>
-              <a:t>2020/3/27</a:t>
+              <a:t>2020/4/5</a:t>
             </a:fld>
             <a:endParaRPr lang="zh-CN" altLang="en-US"/>
           </a:p>
@@ -1582,7 +3094,7 @@
           <a:p>
             <a:fld id="{6C9F3011-421F-4611-8195-64C6EE6CB746}" type="datetimeFigureOut">
               <a:rPr lang="zh-CN" altLang="en-US" smtClean="0"/>
-              <a:t>2020/3/27</a:t>
+              <a:t>2020/4/5</a:t>
             </a:fld>
             <a:endParaRPr lang="zh-CN" altLang="en-US"/>
           </a:p>
@@ -1847,7 +3359,7 @@
           <a:p>
             <a:fld id="{6C9F3011-421F-4611-8195-64C6EE6CB746}" type="datetimeFigureOut">
               <a:rPr lang="zh-CN" altLang="en-US" smtClean="0"/>
-              <a:t>2020/3/27</a:t>
+              <a:t>2020/4/5</a:t>
             </a:fld>
             <a:endParaRPr lang="zh-CN" altLang="en-US"/>
           </a:p>
@@ -2259,7 +3771,7 @@
           <a:p>
             <a:fld id="{6C9F3011-421F-4611-8195-64C6EE6CB746}" type="datetimeFigureOut">
               <a:rPr lang="zh-CN" altLang="en-US" smtClean="0"/>
-              <a:t>2020/3/27</a:t>
+              <a:t>2020/4/5</a:t>
             </a:fld>
             <a:endParaRPr lang="zh-CN" altLang="en-US"/>
           </a:p>
@@ -2400,7 +3912,7 @@
           <a:p>
             <a:fld id="{6C9F3011-421F-4611-8195-64C6EE6CB746}" type="datetimeFigureOut">
               <a:rPr lang="zh-CN" altLang="en-US" smtClean="0"/>
-              <a:t>2020/3/27</a:t>
+              <a:t>2020/4/5</a:t>
             </a:fld>
             <a:endParaRPr lang="zh-CN" altLang="en-US"/>
           </a:p>
@@ -2513,7 +4025,7 @@
           <a:p>
             <a:fld id="{6C9F3011-421F-4611-8195-64C6EE6CB746}" type="datetimeFigureOut">
               <a:rPr lang="zh-CN" altLang="en-US" smtClean="0"/>
-              <a:t>2020/3/27</a:t>
+              <a:t>2020/4/5</a:t>
             </a:fld>
             <a:endParaRPr lang="zh-CN" altLang="en-US"/>
           </a:p>
@@ -2824,7 +4336,7 @@
           <a:p>
             <a:fld id="{6C9F3011-421F-4611-8195-64C6EE6CB746}" type="datetimeFigureOut">
               <a:rPr lang="zh-CN" altLang="en-US" smtClean="0"/>
-              <a:t>2020/3/27</a:t>
+              <a:t>2020/4/5</a:t>
             </a:fld>
             <a:endParaRPr lang="zh-CN" altLang="en-US"/>
           </a:p>
@@ -3112,7 +4624,7 @@
           <a:p>
             <a:fld id="{6C9F3011-421F-4611-8195-64C6EE6CB746}" type="datetimeFigureOut">
               <a:rPr lang="zh-CN" altLang="en-US" smtClean="0"/>
-              <a:t>2020/3/27</a:t>
+              <a:t>2020/4/5</a:t>
             </a:fld>
             <a:endParaRPr lang="zh-CN" altLang="en-US"/>
           </a:p>
@@ -3353,7 +4865,7 @@
           <a:p>
             <a:fld id="{6C9F3011-421F-4611-8195-64C6EE6CB746}" type="datetimeFigureOut">
               <a:rPr lang="zh-CN" altLang="en-US" smtClean="0"/>
-              <a:t>2020/3/27</a:t>
+              <a:t>2020/4/5</a:t>
             </a:fld>
             <a:endParaRPr lang="zh-CN" altLang="en-US"/>
           </a:p>
@@ -3831,6 +5343,13 @@
               <a:rPr lang="zh-CN" altLang="en-US" dirty="0"/>
               <a:t>，字体为新罗马</a:t>
             </a:r>
+            <a:endParaRPr lang="en-US" altLang="zh-CN" dirty="0"/>
+          </a:p>
+          <a:p>
+            <a:r>
+              <a:rPr lang="zh-CN" altLang="en-US" dirty="0"/>
+              <a:t>另外注意不要截到有道词典的标</a:t>
+            </a:r>
           </a:p>
         </p:txBody>
       </p:sp>
@@ -3838,6 +5357,1001 @@
     <p:extLst>
       <p:ext uri="{BB962C8B-B14F-4D97-AF65-F5344CB8AC3E}">
         <p14:creationId xmlns:p14="http://schemas.microsoft.com/office/powerpoint/2010/main" val="3774586522"/>
+      </p:ext>
+    </p:extLst>
+  </p:cSld>
+  <p:clrMapOvr>
+    <a:masterClrMapping/>
+  </p:clrMapOvr>
+</p:sld>
+</file>
+
+<file path=ppt/slides/slide10.xml><?xml version="1.0" encoding="utf-8"?>
+<p:sld xmlns:a="http://schemas.openxmlformats.org/drawingml/2006/main" xmlns:r="http://schemas.openxmlformats.org/officeDocument/2006/relationships" xmlns:p="http://schemas.openxmlformats.org/presentationml/2006/main">
+  <p:cSld>
+    <p:spTree>
+      <p:nvGrpSpPr>
+        <p:cNvPr id="1" name=""/>
+        <p:cNvGrpSpPr/>
+        <p:nvPr/>
+      </p:nvGrpSpPr>
+      <p:grpSpPr>
+        <a:xfrm>
+          <a:off x="0" y="0"/>
+          <a:ext cx="0" cy="0"/>
+          <a:chOff x="0" y="0"/>
+          <a:chExt cx="0" cy="0"/>
+        </a:xfrm>
+      </p:grpSpPr>
+      <p:pic>
+        <p:nvPicPr>
+          <p:cNvPr id="2" name="图片 1">
+            <a:extLst>
+              <a:ext uri="{FF2B5EF4-FFF2-40B4-BE49-F238E27FC236}">
+                <a16:creationId xmlns:a16="http://schemas.microsoft.com/office/drawing/2014/main" id="{AA739476-B8B9-4E61-9632-E8B6C3FF6AAF}"/>
+              </a:ext>
+            </a:extLst>
+          </p:cNvPr>
+          <p:cNvPicPr>
+            <a:picLocks noChangeAspect="1"/>
+          </p:cNvPicPr>
+          <p:nvPr/>
+        </p:nvPicPr>
+        <p:blipFill>
+          <a:blip r:embed="rId3"/>
+          <a:stretch>
+            <a:fillRect/>
+          </a:stretch>
+        </p:blipFill>
+        <p:spPr>
+          <a:xfrm>
+            <a:off x="175016" y="1597889"/>
+            <a:ext cx="6376589" cy="3857228"/>
+          </a:xfrm>
+          <a:prstGeom prst="rect">
+            <a:avLst/>
+          </a:prstGeom>
+        </p:spPr>
+      </p:pic>
+      <p:pic>
+        <p:nvPicPr>
+          <p:cNvPr id="4" name="图片 3">
+            <a:extLst>
+              <a:ext uri="{FF2B5EF4-FFF2-40B4-BE49-F238E27FC236}">
+                <a16:creationId xmlns:a16="http://schemas.microsoft.com/office/drawing/2014/main" id="{1A8C0E13-5373-4AB3-98B5-D6704F267830}"/>
+              </a:ext>
+            </a:extLst>
+          </p:cNvPr>
+          <p:cNvPicPr>
+            <a:picLocks noChangeAspect="1"/>
+          </p:cNvPicPr>
+          <p:nvPr/>
+        </p:nvPicPr>
+        <p:blipFill>
+          <a:blip r:embed="rId4"/>
+          <a:stretch>
+            <a:fillRect/>
+          </a:stretch>
+        </p:blipFill>
+        <p:spPr>
+          <a:xfrm>
+            <a:off x="6551605" y="1597889"/>
+            <a:ext cx="5450091" cy="3857228"/>
+          </a:xfrm>
+          <a:prstGeom prst="rect">
+            <a:avLst/>
+          </a:prstGeom>
+        </p:spPr>
+      </p:pic>
+      <p:graphicFrame>
+        <p:nvGraphicFramePr>
+          <p:cNvPr id="5" name="表格 18">
+            <a:extLst>
+              <a:ext uri="{FF2B5EF4-FFF2-40B4-BE49-F238E27FC236}">
+                <a16:creationId xmlns:a16="http://schemas.microsoft.com/office/drawing/2014/main" id="{90F4A553-8488-4FDA-B6F6-B9C8ED31B0AC}"/>
+              </a:ext>
+            </a:extLst>
+          </p:cNvPr>
+          <p:cNvGraphicFramePr>
+            <a:graphicFrameLocks noGrp="1"/>
+          </p:cNvGraphicFramePr>
+          <p:nvPr>
+            <p:extLst>
+              <p:ext uri="{D42A27DB-BD31-4B8C-83A1-F6EECF244321}">
+                <p14:modId xmlns:p14="http://schemas.microsoft.com/office/powerpoint/2010/main" val="3685336476"/>
+              </p:ext>
+            </p:extLst>
+          </p:nvPr>
+        </p:nvGraphicFramePr>
+        <p:xfrm>
+          <a:off x="175016" y="5455117"/>
+          <a:ext cx="11826680" cy="370840"/>
+        </p:xfrm>
+        <a:graphic>
+          <a:graphicData uri="http://schemas.openxmlformats.org/drawingml/2006/table">
+            <a:tbl>
+              <a:tblPr firstRow="1" bandRow="1">
+                <a:tableStyleId>{5C22544A-7EE6-4342-B048-85BDC9FD1C3A}</a:tableStyleId>
+              </a:tblPr>
+              <a:tblGrid>
+                <a:gridCol w="6419748">
+                  <a:extLst>
+                    <a:ext uri="{9D8B030D-6E8A-4147-A177-3AD203B41FA5}">
+                      <a16:colId xmlns:a16="http://schemas.microsoft.com/office/drawing/2014/main" val="1402480208"/>
+                    </a:ext>
+                  </a:extLst>
+                </a:gridCol>
+                <a:gridCol w="5406932">
+                  <a:extLst>
+                    <a:ext uri="{9D8B030D-6E8A-4147-A177-3AD203B41FA5}">
+                      <a16:colId xmlns:a16="http://schemas.microsoft.com/office/drawing/2014/main" val="4261842004"/>
+                    </a:ext>
+                  </a:extLst>
+                </a:gridCol>
+              </a:tblGrid>
+              <a:tr h="370840">
+                <a:tc>
+                  <a:txBody>
+                    <a:bodyPr/>
+                    <a:lstStyle/>
+                    <a:p>
+                      <a:pPr algn="ctr"/>
+                      <a:r>
+                        <a:rPr lang="en-US" altLang="zh-CN" b="0" dirty="0">
+                          <a:solidFill>
+                            <a:schemeClr val="tx1"/>
+                          </a:solidFill>
+                          <a:latin typeface="Times New Roman" panose="02020603050405020304" pitchFamily="18" charset="0"/>
+                          <a:cs typeface="Times New Roman" panose="02020603050405020304" pitchFamily="18" charset="0"/>
+                        </a:rPr>
+                        <a:t>(a)</a:t>
+                      </a:r>
+                      <a:endParaRPr lang="zh-CN" altLang="en-US" b="0" dirty="0">
+                        <a:solidFill>
+                          <a:schemeClr val="tx1"/>
+                        </a:solidFill>
+                        <a:latin typeface="Times New Roman" panose="02020603050405020304" pitchFamily="18" charset="0"/>
+                        <a:cs typeface="Times New Roman" panose="02020603050405020304" pitchFamily="18" charset="0"/>
+                      </a:endParaRPr>
+                    </a:p>
+                  </a:txBody>
+                  <a:tcPr>
+                    <a:lnL w="12700" cmpd="sng">
+                      <a:noFill/>
+                    </a:lnL>
+                    <a:lnR w="12700" cmpd="sng">
+                      <a:noFill/>
+                    </a:lnR>
+                    <a:lnT w="12700" cmpd="sng">
+                      <a:noFill/>
+                    </a:lnT>
+                    <a:lnB w="38100" cmpd="sng">
+                      <a:noFill/>
+                    </a:lnB>
+                    <a:lnTlToBr w="12700" cmpd="sng">
+                      <a:noFill/>
+                      <a:prstDash val="solid"/>
+                    </a:lnTlToBr>
+                    <a:lnBlToTr w="12700" cmpd="sng">
+                      <a:noFill/>
+                      <a:prstDash val="solid"/>
+                    </a:lnBlToTr>
+                    <a:noFill/>
+                  </a:tcPr>
+                </a:tc>
+                <a:tc>
+                  <a:txBody>
+                    <a:bodyPr/>
+                    <a:lstStyle/>
+                    <a:p>
+                      <a:pPr algn="ctr"/>
+                      <a:r>
+                        <a:rPr lang="en-US" altLang="zh-CN" b="0" dirty="0">
+                          <a:solidFill>
+                            <a:schemeClr val="tx1"/>
+                          </a:solidFill>
+                          <a:latin typeface="Times New Roman" panose="02020603050405020304" pitchFamily="18" charset="0"/>
+                          <a:cs typeface="Times New Roman" panose="02020603050405020304" pitchFamily="18" charset="0"/>
+                        </a:rPr>
+                        <a:t>(b)</a:t>
+                      </a:r>
+                      <a:endParaRPr lang="zh-CN" altLang="en-US" b="0" dirty="0">
+                        <a:solidFill>
+                          <a:schemeClr val="tx1"/>
+                        </a:solidFill>
+                        <a:latin typeface="Times New Roman" panose="02020603050405020304" pitchFamily="18" charset="0"/>
+                        <a:cs typeface="Times New Roman" panose="02020603050405020304" pitchFamily="18" charset="0"/>
+                      </a:endParaRPr>
+                    </a:p>
+                  </a:txBody>
+                  <a:tcPr>
+                    <a:lnL w="12700" cmpd="sng">
+                      <a:noFill/>
+                    </a:lnL>
+                    <a:lnR w="12700" cmpd="sng">
+                      <a:noFill/>
+                    </a:lnR>
+                    <a:lnT w="12700" cmpd="sng">
+                      <a:noFill/>
+                    </a:lnT>
+                    <a:lnB w="38100" cmpd="sng">
+                      <a:noFill/>
+                    </a:lnB>
+                    <a:lnTlToBr w="12700" cmpd="sng">
+                      <a:noFill/>
+                      <a:prstDash val="solid"/>
+                    </a:lnTlToBr>
+                    <a:lnBlToTr w="12700" cmpd="sng">
+                      <a:noFill/>
+                      <a:prstDash val="solid"/>
+                    </a:lnBlToTr>
+                    <a:noFill/>
+                  </a:tcPr>
+                </a:tc>
+                <a:extLst>
+                  <a:ext uri="{0D108BD9-81ED-4DB2-BD59-A6C34878D82A}">
+                    <a16:rowId xmlns:a16="http://schemas.microsoft.com/office/drawing/2014/main" val="298807217"/>
+                  </a:ext>
+                </a:extLst>
+              </a:tr>
+            </a:tbl>
+          </a:graphicData>
+        </a:graphic>
+      </p:graphicFrame>
+    </p:spTree>
+    <p:extLst>
+      <p:ext uri="{BB962C8B-B14F-4D97-AF65-F5344CB8AC3E}">
+        <p14:creationId xmlns:p14="http://schemas.microsoft.com/office/powerpoint/2010/main" val="2830832305"/>
+      </p:ext>
+    </p:extLst>
+  </p:cSld>
+  <p:clrMapOvr>
+    <a:masterClrMapping/>
+  </p:clrMapOvr>
+</p:sld>
+</file>
+
+<file path=ppt/slides/slide11.xml><?xml version="1.0" encoding="utf-8"?>
+<p:sld xmlns:a="http://schemas.openxmlformats.org/drawingml/2006/main" xmlns:r="http://schemas.openxmlformats.org/officeDocument/2006/relationships" xmlns:p="http://schemas.openxmlformats.org/presentationml/2006/main">
+  <p:cSld>
+    <p:spTree>
+      <p:nvGrpSpPr>
+        <p:cNvPr id="1" name=""/>
+        <p:cNvGrpSpPr/>
+        <p:nvPr/>
+      </p:nvGrpSpPr>
+      <p:grpSpPr>
+        <a:xfrm>
+          <a:off x="0" y="0"/>
+          <a:ext cx="0" cy="0"/>
+          <a:chOff x="0" y="0"/>
+          <a:chExt cx="0" cy="0"/>
+        </a:xfrm>
+      </p:grpSpPr>
+      <p:pic>
+        <p:nvPicPr>
+          <p:cNvPr id="3" name="图片 2">
+            <a:extLst>
+              <a:ext uri="{FF2B5EF4-FFF2-40B4-BE49-F238E27FC236}">
+                <a16:creationId xmlns:a16="http://schemas.microsoft.com/office/drawing/2014/main" id="{0C83F75B-46E3-40DE-BA55-C0DEB96E2BFA}"/>
+              </a:ext>
+            </a:extLst>
+          </p:cNvPr>
+          <p:cNvPicPr>
+            <a:picLocks noChangeAspect="1"/>
+          </p:cNvPicPr>
+          <p:nvPr/>
+        </p:nvPicPr>
+        <p:blipFill>
+          <a:blip r:embed="rId3"/>
+          <a:stretch>
+            <a:fillRect/>
+          </a:stretch>
+        </p:blipFill>
+        <p:spPr>
+          <a:xfrm>
+            <a:off x="1769906" y="1603410"/>
+            <a:ext cx="8652187" cy="3651179"/>
+          </a:xfrm>
+          <a:prstGeom prst="rect">
+            <a:avLst/>
+          </a:prstGeom>
+        </p:spPr>
+      </p:pic>
+    </p:spTree>
+    <p:extLst>
+      <p:ext uri="{BB962C8B-B14F-4D97-AF65-F5344CB8AC3E}">
+        <p14:creationId xmlns:p14="http://schemas.microsoft.com/office/powerpoint/2010/main" val="1878727850"/>
+      </p:ext>
+    </p:extLst>
+  </p:cSld>
+  <p:clrMapOvr>
+    <a:masterClrMapping/>
+  </p:clrMapOvr>
+</p:sld>
+</file>
+
+<file path=ppt/slides/slide12.xml><?xml version="1.0" encoding="utf-8"?>
+<p:sld xmlns:a="http://schemas.openxmlformats.org/drawingml/2006/main" xmlns:r="http://schemas.openxmlformats.org/officeDocument/2006/relationships" xmlns:p="http://schemas.openxmlformats.org/presentationml/2006/main">
+  <p:cSld>
+    <p:spTree>
+      <p:nvGrpSpPr>
+        <p:cNvPr id="1" name=""/>
+        <p:cNvGrpSpPr/>
+        <p:nvPr/>
+      </p:nvGrpSpPr>
+      <p:grpSpPr>
+        <a:xfrm>
+          <a:off x="0" y="0"/>
+          <a:ext cx="0" cy="0"/>
+          <a:chOff x="0" y="0"/>
+          <a:chExt cx="0" cy="0"/>
+        </a:xfrm>
+      </p:grpSpPr>
+      <p:pic>
+        <p:nvPicPr>
+          <p:cNvPr id="3" name="图片 2">
+            <a:extLst>
+              <a:ext uri="{FF2B5EF4-FFF2-40B4-BE49-F238E27FC236}">
+                <a16:creationId xmlns:a16="http://schemas.microsoft.com/office/drawing/2014/main" id="{27EEC415-ADA4-47E1-8DDC-4F1DF755F35A}"/>
+              </a:ext>
+            </a:extLst>
+          </p:cNvPr>
+          <p:cNvPicPr>
+            <a:picLocks noChangeAspect="1"/>
+          </p:cNvPicPr>
+          <p:nvPr/>
+        </p:nvPicPr>
+        <p:blipFill>
+          <a:blip r:embed="rId3"/>
+          <a:stretch>
+            <a:fillRect/>
+          </a:stretch>
+        </p:blipFill>
+        <p:spPr>
+          <a:xfrm>
+            <a:off x="632691" y="2032860"/>
+            <a:ext cx="10926618" cy="3346027"/>
+          </a:xfrm>
+          <a:prstGeom prst="rect">
+            <a:avLst/>
+          </a:prstGeom>
+        </p:spPr>
+      </p:pic>
+    </p:spTree>
+    <p:extLst>
+      <p:ext uri="{BB962C8B-B14F-4D97-AF65-F5344CB8AC3E}">
+        <p14:creationId xmlns:p14="http://schemas.microsoft.com/office/powerpoint/2010/main" val="2206538969"/>
+      </p:ext>
+    </p:extLst>
+  </p:cSld>
+  <p:clrMapOvr>
+    <a:masterClrMapping/>
+  </p:clrMapOvr>
+</p:sld>
+</file>
+
+<file path=ppt/slides/slide13.xml><?xml version="1.0" encoding="utf-8"?>
+<p:sld xmlns:a="http://schemas.openxmlformats.org/drawingml/2006/main" xmlns:r="http://schemas.openxmlformats.org/officeDocument/2006/relationships" xmlns:p="http://schemas.openxmlformats.org/presentationml/2006/main">
+  <p:cSld>
+    <p:spTree>
+      <p:nvGrpSpPr>
+        <p:cNvPr id="1" name=""/>
+        <p:cNvGrpSpPr/>
+        <p:nvPr/>
+      </p:nvGrpSpPr>
+      <p:grpSpPr>
+        <a:xfrm>
+          <a:off x="0" y="0"/>
+          <a:ext cx="0" cy="0"/>
+          <a:chOff x="0" y="0"/>
+          <a:chExt cx="0" cy="0"/>
+        </a:xfrm>
+      </p:grpSpPr>
+      <p:pic>
+        <p:nvPicPr>
+          <p:cNvPr id="3" name="图片 2">
+            <a:extLst>
+              <a:ext uri="{FF2B5EF4-FFF2-40B4-BE49-F238E27FC236}">
+                <a16:creationId xmlns:a16="http://schemas.microsoft.com/office/drawing/2014/main" id="{877E0C6B-5702-4879-A1D9-3BF39AFD49CC}"/>
+              </a:ext>
+            </a:extLst>
+          </p:cNvPr>
+          <p:cNvPicPr>
+            <a:picLocks noChangeAspect="1"/>
+          </p:cNvPicPr>
+          <p:nvPr/>
+        </p:nvPicPr>
+        <p:blipFill>
+          <a:blip r:embed="rId3"/>
+          <a:stretch>
+            <a:fillRect/>
+          </a:stretch>
+        </p:blipFill>
+        <p:spPr>
+          <a:xfrm>
+            <a:off x="725054" y="1830529"/>
+            <a:ext cx="10741891" cy="3717221"/>
+          </a:xfrm>
+          <a:prstGeom prst="rect">
+            <a:avLst/>
+          </a:prstGeom>
+        </p:spPr>
+      </p:pic>
+    </p:spTree>
+    <p:extLst>
+      <p:ext uri="{BB962C8B-B14F-4D97-AF65-F5344CB8AC3E}">
+        <p14:creationId xmlns:p14="http://schemas.microsoft.com/office/powerpoint/2010/main" val="3090931042"/>
+      </p:ext>
+    </p:extLst>
+  </p:cSld>
+  <p:clrMapOvr>
+    <a:masterClrMapping/>
+  </p:clrMapOvr>
+</p:sld>
+</file>
+
+<file path=ppt/slides/slide14.xml><?xml version="1.0" encoding="utf-8"?>
+<p:sld xmlns:a="http://schemas.openxmlformats.org/drawingml/2006/main" xmlns:r="http://schemas.openxmlformats.org/officeDocument/2006/relationships" xmlns:p="http://schemas.openxmlformats.org/presentationml/2006/main">
+  <p:cSld>
+    <p:spTree>
+      <p:nvGrpSpPr>
+        <p:cNvPr id="1" name=""/>
+        <p:cNvGrpSpPr/>
+        <p:nvPr/>
+      </p:nvGrpSpPr>
+      <p:grpSpPr>
+        <a:xfrm>
+          <a:off x="0" y="0"/>
+          <a:ext cx="0" cy="0"/>
+          <a:chOff x="0" y="0"/>
+          <a:chExt cx="0" cy="0"/>
+        </a:xfrm>
+      </p:grpSpPr>
+      <p:pic>
+        <p:nvPicPr>
+          <p:cNvPr id="4" name="图片 3">
+            <a:extLst>
+              <a:ext uri="{FF2B5EF4-FFF2-40B4-BE49-F238E27FC236}">
+                <a16:creationId xmlns:a16="http://schemas.microsoft.com/office/drawing/2014/main" id="{9B7D3550-C516-4D79-8C3C-36F96CA1667C}"/>
+              </a:ext>
+            </a:extLst>
+          </p:cNvPr>
+          <p:cNvPicPr>
+            <a:picLocks noChangeAspect="1"/>
+          </p:cNvPicPr>
+          <p:nvPr/>
+        </p:nvPicPr>
+        <p:blipFill>
+          <a:blip r:embed="rId3"/>
+          <a:stretch>
+            <a:fillRect/>
+          </a:stretch>
+        </p:blipFill>
+        <p:spPr>
+          <a:xfrm>
+            <a:off x="92149" y="2523776"/>
+            <a:ext cx="5514325" cy="1810448"/>
+          </a:xfrm>
+          <a:prstGeom prst="rect">
+            <a:avLst/>
+          </a:prstGeom>
+        </p:spPr>
+      </p:pic>
+      <p:pic>
+        <p:nvPicPr>
+          <p:cNvPr id="6" name="图片 5">
+            <a:extLst>
+              <a:ext uri="{FF2B5EF4-FFF2-40B4-BE49-F238E27FC236}">
+                <a16:creationId xmlns:a16="http://schemas.microsoft.com/office/drawing/2014/main" id="{EED2D1DA-4F69-41F3-A663-D0A41777738C}"/>
+              </a:ext>
+            </a:extLst>
+          </p:cNvPr>
+          <p:cNvPicPr>
+            <a:picLocks noChangeAspect="1"/>
+          </p:cNvPicPr>
+          <p:nvPr/>
+        </p:nvPicPr>
+        <p:blipFill>
+          <a:blip r:embed="rId4"/>
+          <a:stretch>
+            <a:fillRect/>
+          </a:stretch>
+        </p:blipFill>
+        <p:spPr>
+          <a:xfrm>
+            <a:off x="5944987" y="3384055"/>
+            <a:ext cx="2986577" cy="1815118"/>
+          </a:xfrm>
+          <a:prstGeom prst="rect">
+            <a:avLst/>
+          </a:prstGeom>
+        </p:spPr>
+      </p:pic>
+      <p:pic>
+        <p:nvPicPr>
+          <p:cNvPr id="7" name="图片 6">
+            <a:extLst>
+              <a:ext uri="{FF2B5EF4-FFF2-40B4-BE49-F238E27FC236}">
+                <a16:creationId xmlns:a16="http://schemas.microsoft.com/office/drawing/2014/main" id="{12AE6E67-8E50-48D5-B4F7-9391C4DA6A9E}"/>
+              </a:ext>
+            </a:extLst>
+          </p:cNvPr>
+          <p:cNvPicPr>
+            <a:picLocks noChangeAspect="1"/>
+          </p:cNvPicPr>
+          <p:nvPr/>
+        </p:nvPicPr>
+        <p:blipFill>
+          <a:blip r:embed="rId5"/>
+          <a:stretch>
+            <a:fillRect/>
+          </a:stretch>
+        </p:blipFill>
+        <p:spPr>
+          <a:xfrm>
+            <a:off x="5944987" y="1245126"/>
+            <a:ext cx="5895238" cy="2009524"/>
+          </a:xfrm>
+          <a:prstGeom prst="rect">
+            <a:avLst/>
+          </a:prstGeom>
+        </p:spPr>
+      </p:pic>
+      <p:pic>
+        <p:nvPicPr>
+          <p:cNvPr id="9" name="图片 8">
+            <a:extLst>
+              <a:ext uri="{FF2B5EF4-FFF2-40B4-BE49-F238E27FC236}">
+                <a16:creationId xmlns:a16="http://schemas.microsoft.com/office/drawing/2014/main" id="{BC943800-4012-4087-AFD1-57D131EF8ACF}"/>
+              </a:ext>
+            </a:extLst>
+          </p:cNvPr>
+          <p:cNvPicPr>
+            <a:picLocks noChangeAspect="1"/>
+          </p:cNvPicPr>
+          <p:nvPr/>
+        </p:nvPicPr>
+        <p:blipFill>
+          <a:blip r:embed="rId6"/>
+          <a:stretch>
+            <a:fillRect/>
+          </a:stretch>
+        </p:blipFill>
+        <p:spPr>
+          <a:xfrm>
+            <a:off x="8892606" y="3355774"/>
+            <a:ext cx="3014155" cy="1815118"/>
+          </a:xfrm>
+          <a:prstGeom prst="rect">
+            <a:avLst/>
+          </a:prstGeom>
+        </p:spPr>
+      </p:pic>
+    </p:spTree>
+    <p:extLst>
+      <p:ext uri="{BB962C8B-B14F-4D97-AF65-F5344CB8AC3E}">
+        <p14:creationId xmlns:p14="http://schemas.microsoft.com/office/powerpoint/2010/main" val="1837913601"/>
+      </p:ext>
+    </p:extLst>
+  </p:cSld>
+  <p:clrMapOvr>
+    <a:masterClrMapping/>
+  </p:clrMapOvr>
+</p:sld>
+</file>
+
+<file path=ppt/slides/slide15.xml><?xml version="1.0" encoding="utf-8"?>
+<p:sld xmlns:a="http://schemas.openxmlformats.org/drawingml/2006/main" xmlns:r="http://schemas.openxmlformats.org/officeDocument/2006/relationships" xmlns:p="http://schemas.openxmlformats.org/presentationml/2006/main">
+  <p:cSld>
+    <p:spTree>
+      <p:nvGrpSpPr>
+        <p:cNvPr id="1" name=""/>
+        <p:cNvGrpSpPr/>
+        <p:nvPr/>
+      </p:nvGrpSpPr>
+      <p:grpSpPr>
+        <a:xfrm>
+          <a:off x="0" y="0"/>
+          <a:ext cx="0" cy="0"/>
+          <a:chOff x="0" y="0"/>
+          <a:chExt cx="0" cy="0"/>
+        </a:xfrm>
+      </p:grpSpPr>
+      <p:pic>
+        <p:nvPicPr>
+          <p:cNvPr id="3" name="图片 2">
+            <a:extLst>
+              <a:ext uri="{FF2B5EF4-FFF2-40B4-BE49-F238E27FC236}">
+                <a16:creationId xmlns:a16="http://schemas.microsoft.com/office/drawing/2014/main" id="{BDD95F54-7AFE-4D41-B1DD-8D3003FA31E4}"/>
+              </a:ext>
+            </a:extLst>
+          </p:cNvPr>
+          <p:cNvPicPr>
+            <a:picLocks noChangeAspect="1"/>
+          </p:cNvPicPr>
+          <p:nvPr/>
+        </p:nvPicPr>
+        <p:blipFill>
+          <a:blip r:embed="rId3"/>
+          <a:stretch>
+            <a:fillRect/>
+          </a:stretch>
+        </p:blipFill>
+        <p:spPr>
+          <a:xfrm>
+            <a:off x="1823697" y="1042810"/>
+            <a:ext cx="8544605" cy="4772379"/>
+          </a:xfrm>
+          <a:prstGeom prst="rect">
+            <a:avLst/>
+          </a:prstGeom>
+        </p:spPr>
+      </p:pic>
+    </p:spTree>
+    <p:extLst>
+      <p:ext uri="{BB962C8B-B14F-4D97-AF65-F5344CB8AC3E}">
+        <p14:creationId xmlns:p14="http://schemas.microsoft.com/office/powerpoint/2010/main" val="2474444030"/>
+      </p:ext>
+    </p:extLst>
+  </p:cSld>
+  <p:clrMapOvr>
+    <a:masterClrMapping/>
+  </p:clrMapOvr>
+</p:sld>
+</file>
+
+<file path=ppt/slides/slide16.xml><?xml version="1.0" encoding="utf-8"?>
+<p:sld xmlns:a="http://schemas.openxmlformats.org/drawingml/2006/main" xmlns:r="http://schemas.openxmlformats.org/officeDocument/2006/relationships" xmlns:p="http://schemas.openxmlformats.org/presentationml/2006/main">
+  <p:cSld>
+    <p:spTree>
+      <p:nvGrpSpPr>
+        <p:cNvPr id="1" name=""/>
+        <p:cNvGrpSpPr/>
+        <p:nvPr/>
+      </p:nvGrpSpPr>
+      <p:grpSpPr>
+        <a:xfrm>
+          <a:off x="0" y="0"/>
+          <a:ext cx="0" cy="0"/>
+          <a:chOff x="0" y="0"/>
+          <a:chExt cx="0" cy="0"/>
+        </a:xfrm>
+      </p:grpSpPr>
+      <p:pic>
+        <p:nvPicPr>
+          <p:cNvPr id="3" name="图片 2">
+            <a:extLst>
+              <a:ext uri="{FF2B5EF4-FFF2-40B4-BE49-F238E27FC236}">
+                <a16:creationId xmlns:a16="http://schemas.microsoft.com/office/drawing/2014/main" id="{09FD8A6D-1074-40D2-B1E5-C5B7D461CA36}"/>
+              </a:ext>
+            </a:extLst>
+          </p:cNvPr>
+          <p:cNvPicPr>
+            <a:picLocks noChangeAspect="1"/>
+          </p:cNvPicPr>
+          <p:nvPr/>
+        </p:nvPicPr>
+        <p:blipFill>
+          <a:blip r:embed="rId3"/>
+          <a:stretch>
+            <a:fillRect/>
+          </a:stretch>
+        </p:blipFill>
+        <p:spPr>
+          <a:xfrm>
+            <a:off x="1172190" y="2307941"/>
+            <a:ext cx="9847619" cy="2371429"/>
+          </a:xfrm>
+          <a:prstGeom prst="rect">
+            <a:avLst/>
+          </a:prstGeom>
+        </p:spPr>
+      </p:pic>
+    </p:spTree>
+    <p:extLst>
+      <p:ext uri="{BB962C8B-B14F-4D97-AF65-F5344CB8AC3E}">
+        <p14:creationId xmlns:p14="http://schemas.microsoft.com/office/powerpoint/2010/main" val="1691786551"/>
+      </p:ext>
+    </p:extLst>
+  </p:cSld>
+  <p:clrMapOvr>
+    <a:masterClrMapping/>
+  </p:clrMapOvr>
+</p:sld>
+</file>
+
+<file path=ppt/slides/slide17.xml><?xml version="1.0" encoding="utf-8"?>
+<p:sld xmlns:a="http://schemas.openxmlformats.org/drawingml/2006/main" xmlns:r="http://schemas.openxmlformats.org/officeDocument/2006/relationships" xmlns:p="http://schemas.openxmlformats.org/presentationml/2006/main">
+  <p:cSld>
+    <p:spTree>
+      <p:nvGrpSpPr>
+        <p:cNvPr id="1" name=""/>
+        <p:cNvGrpSpPr/>
+        <p:nvPr/>
+      </p:nvGrpSpPr>
+      <p:grpSpPr>
+        <a:xfrm>
+          <a:off x="0" y="0"/>
+          <a:ext cx="0" cy="0"/>
+          <a:chOff x="0" y="0"/>
+          <a:chExt cx="0" cy="0"/>
+        </a:xfrm>
+      </p:grpSpPr>
+      <p:pic>
+        <p:nvPicPr>
+          <p:cNvPr id="3" name="图片 2">
+            <a:extLst>
+              <a:ext uri="{FF2B5EF4-FFF2-40B4-BE49-F238E27FC236}">
+                <a16:creationId xmlns:a16="http://schemas.microsoft.com/office/drawing/2014/main" id="{568F6854-F0BD-401C-B3A2-30A19EC8DC4B}"/>
+              </a:ext>
+            </a:extLst>
+          </p:cNvPr>
+          <p:cNvPicPr>
+            <a:picLocks noChangeAspect="1"/>
+          </p:cNvPicPr>
+          <p:nvPr/>
+        </p:nvPicPr>
+        <p:blipFill>
+          <a:blip r:embed="rId3"/>
+          <a:stretch>
+            <a:fillRect/>
+          </a:stretch>
+        </p:blipFill>
+        <p:spPr>
+          <a:xfrm>
+            <a:off x="632691" y="1685716"/>
+            <a:ext cx="10926618" cy="3985003"/>
+          </a:xfrm>
+          <a:prstGeom prst="rect">
+            <a:avLst/>
+          </a:prstGeom>
+        </p:spPr>
+      </p:pic>
+    </p:spTree>
+    <p:extLst>
+      <p:ext uri="{BB962C8B-B14F-4D97-AF65-F5344CB8AC3E}">
+        <p14:creationId xmlns:p14="http://schemas.microsoft.com/office/powerpoint/2010/main" val="3751239513"/>
+      </p:ext>
+    </p:extLst>
+  </p:cSld>
+  <p:clrMapOvr>
+    <a:masterClrMapping/>
+  </p:clrMapOvr>
+</p:sld>
+</file>
+
+<file path=ppt/slides/slide18.xml><?xml version="1.0" encoding="utf-8"?>
+<p:sld xmlns:a="http://schemas.openxmlformats.org/drawingml/2006/main" xmlns:r="http://schemas.openxmlformats.org/officeDocument/2006/relationships" xmlns:p="http://schemas.openxmlformats.org/presentationml/2006/main">
+  <p:cSld>
+    <p:spTree>
+      <p:nvGrpSpPr>
+        <p:cNvPr id="1" name=""/>
+        <p:cNvGrpSpPr/>
+        <p:nvPr/>
+      </p:nvGrpSpPr>
+      <p:grpSpPr>
+        <a:xfrm>
+          <a:off x="0" y="0"/>
+          <a:ext cx="0" cy="0"/>
+          <a:chOff x="0" y="0"/>
+          <a:chExt cx="0" cy="0"/>
+        </a:xfrm>
+      </p:grpSpPr>
+      <p:pic>
+        <p:nvPicPr>
+          <p:cNvPr id="3" name="图片 2">
+            <a:extLst>
+              <a:ext uri="{FF2B5EF4-FFF2-40B4-BE49-F238E27FC236}">
+                <a16:creationId xmlns:a16="http://schemas.microsoft.com/office/drawing/2014/main" id="{7F8FF680-11D7-4CAF-8686-76CC8B4019C2}"/>
+              </a:ext>
+            </a:extLst>
+          </p:cNvPr>
+          <p:cNvPicPr>
+            <a:picLocks noChangeAspect="1"/>
+          </p:cNvPicPr>
+          <p:nvPr/>
+        </p:nvPicPr>
+        <p:blipFill>
+          <a:blip r:embed="rId3"/>
+          <a:stretch>
+            <a:fillRect/>
+          </a:stretch>
+        </p:blipFill>
+        <p:spPr>
+          <a:xfrm>
+            <a:off x="372190" y="833762"/>
+            <a:ext cx="11447619" cy="5190476"/>
+          </a:xfrm>
+          <a:prstGeom prst="rect">
+            <a:avLst/>
+          </a:prstGeom>
+        </p:spPr>
+      </p:pic>
+    </p:spTree>
+    <p:extLst>
+      <p:ext uri="{BB962C8B-B14F-4D97-AF65-F5344CB8AC3E}">
+        <p14:creationId xmlns:p14="http://schemas.microsoft.com/office/powerpoint/2010/main" val="3075828731"/>
+      </p:ext>
+    </p:extLst>
+  </p:cSld>
+  <p:clrMapOvr>
+    <a:masterClrMapping/>
+  </p:clrMapOvr>
+</p:sld>
+</file>
+
+<file path=ppt/slides/slide19.xml><?xml version="1.0" encoding="utf-8"?>
+<p:sld xmlns:a="http://schemas.openxmlformats.org/drawingml/2006/main" xmlns:r="http://schemas.openxmlformats.org/officeDocument/2006/relationships" xmlns:p="http://schemas.openxmlformats.org/presentationml/2006/main">
+  <p:cSld>
+    <p:spTree>
+      <p:nvGrpSpPr>
+        <p:cNvPr id="1" name=""/>
+        <p:cNvGrpSpPr/>
+        <p:nvPr/>
+      </p:nvGrpSpPr>
+      <p:grpSpPr>
+        <a:xfrm>
+          <a:off x="0" y="0"/>
+          <a:ext cx="0" cy="0"/>
+          <a:chOff x="0" y="0"/>
+          <a:chExt cx="0" cy="0"/>
+        </a:xfrm>
+      </p:grpSpPr>
+      <p:pic>
+        <p:nvPicPr>
+          <p:cNvPr id="3" name="图片 2">
+            <a:extLst>
+              <a:ext uri="{FF2B5EF4-FFF2-40B4-BE49-F238E27FC236}">
+                <a16:creationId xmlns:a16="http://schemas.microsoft.com/office/drawing/2014/main" id="{B5534CB7-8653-4559-B305-313127ACC61D}"/>
+              </a:ext>
+            </a:extLst>
+          </p:cNvPr>
+          <p:cNvPicPr>
+            <a:picLocks noChangeAspect="1"/>
+          </p:cNvPicPr>
+          <p:nvPr/>
+        </p:nvPicPr>
+        <p:blipFill>
+          <a:blip r:embed="rId3"/>
+          <a:stretch>
+            <a:fillRect/>
+          </a:stretch>
+        </p:blipFill>
+        <p:spPr>
+          <a:xfrm>
+            <a:off x="124691" y="1720787"/>
+            <a:ext cx="9254852" cy="3416425"/>
+          </a:xfrm>
+          <a:prstGeom prst="rect">
+            <a:avLst/>
+          </a:prstGeom>
+        </p:spPr>
+      </p:pic>
+      <p:pic>
+        <p:nvPicPr>
+          <p:cNvPr id="5" name="图片 4">
+            <a:extLst>
+              <a:ext uri="{FF2B5EF4-FFF2-40B4-BE49-F238E27FC236}">
+                <a16:creationId xmlns:a16="http://schemas.microsoft.com/office/drawing/2014/main" id="{B34327A2-40E2-41C7-8197-CCED24BB09FF}"/>
+              </a:ext>
+            </a:extLst>
+          </p:cNvPr>
+          <p:cNvPicPr>
+            <a:picLocks noChangeAspect="1"/>
+          </p:cNvPicPr>
+          <p:nvPr/>
+        </p:nvPicPr>
+        <p:blipFill>
+          <a:blip r:embed="rId4"/>
+          <a:stretch>
+            <a:fillRect/>
+          </a:stretch>
+        </p:blipFill>
+        <p:spPr>
+          <a:xfrm>
+            <a:off x="9727316" y="3578098"/>
+            <a:ext cx="2066667" cy="647619"/>
+          </a:xfrm>
+          <a:prstGeom prst="rect">
+            <a:avLst/>
+          </a:prstGeom>
+        </p:spPr>
+      </p:pic>
+      <p:pic>
+        <p:nvPicPr>
+          <p:cNvPr id="6" name="图片 5">
+            <a:extLst>
+              <a:ext uri="{FF2B5EF4-FFF2-40B4-BE49-F238E27FC236}">
+                <a16:creationId xmlns:a16="http://schemas.microsoft.com/office/drawing/2014/main" id="{A650DE33-9255-4C3F-BC0B-2F1F6103BEF9}"/>
+              </a:ext>
+            </a:extLst>
+          </p:cNvPr>
+          <p:cNvPicPr>
+            <a:picLocks noChangeAspect="1"/>
+          </p:cNvPicPr>
+          <p:nvPr/>
+        </p:nvPicPr>
+        <p:blipFill>
+          <a:blip r:embed="rId5"/>
+          <a:stretch>
+            <a:fillRect/>
+          </a:stretch>
+        </p:blipFill>
+        <p:spPr>
+          <a:xfrm>
+            <a:off x="9736840" y="4480069"/>
+            <a:ext cx="2047619" cy="657143"/>
+          </a:xfrm>
+          <a:prstGeom prst="rect">
+            <a:avLst/>
+          </a:prstGeom>
+        </p:spPr>
+      </p:pic>
+      <p:pic>
+        <p:nvPicPr>
+          <p:cNvPr id="7" name="图片 6">
+            <a:extLst>
+              <a:ext uri="{FF2B5EF4-FFF2-40B4-BE49-F238E27FC236}">
+                <a16:creationId xmlns:a16="http://schemas.microsoft.com/office/drawing/2014/main" id="{FB0B93B6-57C9-4D62-ACA4-872366A53DCD}"/>
+              </a:ext>
+            </a:extLst>
+          </p:cNvPr>
+          <p:cNvPicPr>
+            <a:picLocks noChangeAspect="1"/>
+          </p:cNvPicPr>
+          <p:nvPr/>
+        </p:nvPicPr>
+        <p:blipFill>
+          <a:blip r:embed="rId6"/>
+          <a:stretch>
+            <a:fillRect/>
+          </a:stretch>
+        </p:blipFill>
+        <p:spPr>
+          <a:xfrm>
+            <a:off x="9755887" y="1726539"/>
+            <a:ext cx="2009524" cy="695238"/>
+          </a:xfrm>
+          <a:prstGeom prst="rect">
+            <a:avLst/>
+          </a:prstGeom>
+        </p:spPr>
+      </p:pic>
+      <p:pic>
+        <p:nvPicPr>
+          <p:cNvPr id="8" name="图片 7">
+            <a:extLst>
+              <a:ext uri="{FF2B5EF4-FFF2-40B4-BE49-F238E27FC236}">
+                <a16:creationId xmlns:a16="http://schemas.microsoft.com/office/drawing/2014/main" id="{EE9E0CA5-E90B-46A9-8205-AB909589B464}"/>
+              </a:ext>
+            </a:extLst>
+          </p:cNvPr>
+          <p:cNvPicPr>
+            <a:picLocks noChangeAspect="1"/>
+          </p:cNvPicPr>
+          <p:nvPr/>
+        </p:nvPicPr>
+        <p:blipFill>
+          <a:blip r:embed="rId7"/>
+          <a:stretch>
+            <a:fillRect/>
+          </a:stretch>
+        </p:blipFill>
+        <p:spPr>
+          <a:xfrm>
+            <a:off x="9755887" y="2676128"/>
+            <a:ext cx="2009524" cy="647619"/>
+          </a:xfrm>
+          <a:prstGeom prst="rect">
+            <a:avLst/>
+          </a:prstGeom>
+        </p:spPr>
+      </p:pic>
+    </p:spTree>
+    <p:extLst>
+      <p:ext uri="{BB962C8B-B14F-4D97-AF65-F5344CB8AC3E}">
+        <p14:creationId xmlns:p14="http://schemas.microsoft.com/office/powerpoint/2010/main" val="3090607637"/>
       </p:ext>
     </p:extLst>
   </p:cSld>
@@ -3921,6 +6435,362 @@
     <p:extLst>
       <p:ext uri="{BB962C8B-B14F-4D97-AF65-F5344CB8AC3E}">
         <p14:creationId xmlns:p14="http://schemas.microsoft.com/office/powerpoint/2010/main" val="3025294074"/>
+      </p:ext>
+    </p:extLst>
+  </p:cSld>
+  <p:clrMapOvr>
+    <a:masterClrMapping/>
+  </p:clrMapOvr>
+</p:sld>
+</file>
+
+<file path=ppt/slides/slide20.xml><?xml version="1.0" encoding="utf-8"?>
+<p:sld xmlns:a="http://schemas.openxmlformats.org/drawingml/2006/main" xmlns:r="http://schemas.openxmlformats.org/officeDocument/2006/relationships" xmlns:p="http://schemas.openxmlformats.org/presentationml/2006/main">
+  <p:cSld>
+    <p:spTree>
+      <p:nvGrpSpPr>
+        <p:cNvPr id="1" name=""/>
+        <p:cNvGrpSpPr/>
+        <p:nvPr/>
+      </p:nvGrpSpPr>
+      <p:grpSpPr>
+        <a:xfrm>
+          <a:off x="0" y="0"/>
+          <a:ext cx="0" cy="0"/>
+          <a:chOff x="0" y="0"/>
+          <a:chExt cx="0" cy="0"/>
+        </a:xfrm>
+      </p:grpSpPr>
+      <p:grpSp>
+        <p:nvGrpSpPr>
+          <p:cNvPr id="7" name="组合 6">
+            <a:extLst>
+              <a:ext uri="{FF2B5EF4-FFF2-40B4-BE49-F238E27FC236}">
+                <a16:creationId xmlns:a16="http://schemas.microsoft.com/office/drawing/2014/main" id="{295C685B-CC48-4701-AAB9-EF8F74DA33F8}"/>
+              </a:ext>
+            </a:extLst>
+          </p:cNvPr>
+          <p:cNvGrpSpPr/>
+          <p:nvPr/>
+        </p:nvGrpSpPr>
+        <p:grpSpPr>
+          <a:xfrm>
+            <a:off x="236363" y="1921163"/>
+            <a:ext cx="5558653" cy="3050667"/>
+            <a:chOff x="416074" y="1609078"/>
+            <a:chExt cx="6632199" cy="3639844"/>
+          </a:xfrm>
+        </p:grpSpPr>
+        <p:pic>
+          <p:nvPicPr>
+            <p:cNvPr id="5" name="图片 4">
+              <a:extLst>
+                <a:ext uri="{FF2B5EF4-FFF2-40B4-BE49-F238E27FC236}">
+                  <a16:creationId xmlns:a16="http://schemas.microsoft.com/office/drawing/2014/main" id="{34442EA1-AF87-4774-86BA-824F2CAFCC14}"/>
+                </a:ext>
+              </a:extLst>
+            </p:cNvPr>
+            <p:cNvPicPr>
+              <a:picLocks noChangeAspect="1"/>
+            </p:cNvPicPr>
+            <p:nvPr/>
+          </p:nvPicPr>
+          <p:blipFill>
+            <a:blip r:embed="rId3"/>
+            <a:stretch>
+              <a:fillRect/>
+            </a:stretch>
+          </p:blipFill>
+          <p:spPr>
+            <a:xfrm>
+              <a:off x="416074" y="2409876"/>
+              <a:ext cx="6632199" cy="2521107"/>
+            </a:xfrm>
+            <a:prstGeom prst="rect">
+              <a:avLst/>
+            </a:prstGeom>
+          </p:spPr>
+        </p:pic>
+        <p:pic>
+          <p:nvPicPr>
+            <p:cNvPr id="4" name="图片 3">
+              <a:extLst>
+                <a:ext uri="{FF2B5EF4-FFF2-40B4-BE49-F238E27FC236}">
+                  <a16:creationId xmlns:a16="http://schemas.microsoft.com/office/drawing/2014/main" id="{B80DA99F-5FF2-46FC-A910-41C96F7D776C}"/>
+                </a:ext>
+              </a:extLst>
+            </p:cNvPr>
+            <p:cNvPicPr>
+              <a:picLocks noChangeAspect="1"/>
+            </p:cNvPicPr>
+            <p:nvPr/>
+          </p:nvPicPr>
+          <p:blipFill>
+            <a:blip r:embed="rId4"/>
+            <a:stretch>
+              <a:fillRect/>
+            </a:stretch>
+          </p:blipFill>
+          <p:spPr>
+            <a:xfrm>
+              <a:off x="2136531" y="1609078"/>
+              <a:ext cx="3191423" cy="3639844"/>
+            </a:xfrm>
+            <a:prstGeom prst="rect">
+              <a:avLst/>
+            </a:prstGeom>
+          </p:spPr>
+        </p:pic>
+      </p:grpSp>
+      <p:pic>
+        <p:nvPicPr>
+          <p:cNvPr id="6" name="图片 5">
+            <a:extLst>
+              <a:ext uri="{FF2B5EF4-FFF2-40B4-BE49-F238E27FC236}">
+                <a16:creationId xmlns:a16="http://schemas.microsoft.com/office/drawing/2014/main" id="{27721F90-977F-4884-91FB-AF130C88AFFB}"/>
+              </a:ext>
+            </a:extLst>
+          </p:cNvPr>
+          <p:cNvPicPr>
+            <a:picLocks noChangeAspect="1"/>
+          </p:cNvPicPr>
+          <p:nvPr/>
+        </p:nvPicPr>
+        <p:blipFill>
+          <a:blip r:embed="rId5"/>
+          <a:stretch>
+            <a:fillRect/>
+          </a:stretch>
+        </p:blipFill>
+        <p:spPr>
+          <a:xfrm>
+            <a:off x="6160622" y="2074070"/>
+            <a:ext cx="5795015" cy="2709859"/>
+          </a:xfrm>
+          <a:prstGeom prst="rect">
+            <a:avLst/>
+          </a:prstGeom>
+        </p:spPr>
+      </p:pic>
+      <p:graphicFrame>
+        <p:nvGraphicFramePr>
+          <p:cNvPr id="8" name="表格 18">
+            <a:extLst>
+              <a:ext uri="{FF2B5EF4-FFF2-40B4-BE49-F238E27FC236}">
+                <a16:creationId xmlns:a16="http://schemas.microsoft.com/office/drawing/2014/main" id="{B832400C-9F47-49EB-92C0-2D33F1C63053}"/>
+              </a:ext>
+            </a:extLst>
+          </p:cNvPr>
+          <p:cNvGraphicFramePr>
+            <a:graphicFrameLocks noGrp="1"/>
+          </p:cNvGraphicFramePr>
+          <p:nvPr>
+            <p:extLst>
+              <p:ext uri="{D42A27DB-BD31-4B8C-83A1-F6EECF244321}">
+                <p14:modId xmlns:p14="http://schemas.microsoft.com/office/powerpoint/2010/main" val="4003236736"/>
+              </p:ext>
+            </p:extLst>
+          </p:nvPr>
+        </p:nvGraphicFramePr>
+        <p:xfrm>
+          <a:off x="236362" y="4971830"/>
+          <a:ext cx="11719275" cy="370840"/>
+        </p:xfrm>
+        <a:graphic>
+          <a:graphicData uri="http://schemas.openxmlformats.org/drawingml/2006/table">
+            <a:tbl>
+              <a:tblPr firstRow="1" bandRow="1">
+                <a:tableStyleId>{5C22544A-7EE6-4342-B048-85BDC9FD1C3A}</a:tableStyleId>
+              </a:tblPr>
+              <a:tblGrid>
+                <a:gridCol w="5758038">
+                  <a:extLst>
+                    <a:ext uri="{9D8B030D-6E8A-4147-A177-3AD203B41FA5}">
+                      <a16:colId xmlns:a16="http://schemas.microsoft.com/office/drawing/2014/main" val="1402480208"/>
+                    </a:ext>
+                  </a:extLst>
+                </a:gridCol>
+                <a:gridCol w="5961237">
+                  <a:extLst>
+                    <a:ext uri="{9D8B030D-6E8A-4147-A177-3AD203B41FA5}">
+                      <a16:colId xmlns:a16="http://schemas.microsoft.com/office/drawing/2014/main" val="4261842004"/>
+                    </a:ext>
+                  </a:extLst>
+                </a:gridCol>
+              </a:tblGrid>
+              <a:tr h="370840">
+                <a:tc>
+                  <a:txBody>
+                    <a:bodyPr/>
+                    <a:lstStyle/>
+                    <a:p>
+                      <a:pPr algn="ctr"/>
+                      <a:r>
+                        <a:rPr lang="en-US" altLang="zh-CN" b="0" dirty="0">
+                          <a:solidFill>
+                            <a:schemeClr val="tx1"/>
+                          </a:solidFill>
+                          <a:latin typeface="Times New Roman" panose="02020603050405020304" pitchFamily="18" charset="0"/>
+                          <a:cs typeface="Times New Roman" panose="02020603050405020304" pitchFamily="18" charset="0"/>
+                        </a:rPr>
+                        <a:t>(a)</a:t>
+                      </a:r>
+                      <a:endParaRPr lang="zh-CN" altLang="en-US" b="0" dirty="0">
+                        <a:solidFill>
+                          <a:schemeClr val="tx1"/>
+                        </a:solidFill>
+                        <a:latin typeface="Times New Roman" panose="02020603050405020304" pitchFamily="18" charset="0"/>
+                        <a:cs typeface="Times New Roman" panose="02020603050405020304" pitchFamily="18" charset="0"/>
+                      </a:endParaRPr>
+                    </a:p>
+                  </a:txBody>
+                  <a:tcPr>
+                    <a:lnL w="12700" cmpd="sng">
+                      <a:noFill/>
+                    </a:lnL>
+                    <a:lnR w="12700" cmpd="sng">
+                      <a:noFill/>
+                    </a:lnR>
+                    <a:lnT w="12700" cmpd="sng">
+                      <a:noFill/>
+                    </a:lnT>
+                    <a:lnB w="38100" cmpd="sng">
+                      <a:noFill/>
+                    </a:lnB>
+                    <a:lnTlToBr w="12700" cmpd="sng">
+                      <a:noFill/>
+                      <a:prstDash val="solid"/>
+                    </a:lnTlToBr>
+                    <a:lnBlToTr w="12700" cmpd="sng">
+                      <a:noFill/>
+                      <a:prstDash val="solid"/>
+                    </a:lnBlToTr>
+                    <a:noFill/>
+                  </a:tcPr>
+                </a:tc>
+                <a:tc>
+                  <a:txBody>
+                    <a:bodyPr/>
+                    <a:lstStyle/>
+                    <a:p>
+                      <a:pPr algn="ctr"/>
+                      <a:r>
+                        <a:rPr lang="en-US" altLang="zh-CN" b="0" dirty="0">
+                          <a:solidFill>
+                            <a:schemeClr val="tx1"/>
+                          </a:solidFill>
+                          <a:latin typeface="Times New Roman" panose="02020603050405020304" pitchFamily="18" charset="0"/>
+                          <a:cs typeface="Times New Roman" panose="02020603050405020304" pitchFamily="18" charset="0"/>
+                        </a:rPr>
+                        <a:t>(b)</a:t>
+                      </a:r>
+                      <a:endParaRPr lang="zh-CN" altLang="en-US" b="0" dirty="0">
+                        <a:solidFill>
+                          <a:schemeClr val="tx1"/>
+                        </a:solidFill>
+                        <a:latin typeface="Times New Roman" panose="02020603050405020304" pitchFamily="18" charset="0"/>
+                        <a:cs typeface="Times New Roman" panose="02020603050405020304" pitchFamily="18" charset="0"/>
+                      </a:endParaRPr>
+                    </a:p>
+                  </a:txBody>
+                  <a:tcPr>
+                    <a:lnL w="12700" cmpd="sng">
+                      <a:noFill/>
+                    </a:lnL>
+                    <a:lnR w="12700" cmpd="sng">
+                      <a:noFill/>
+                    </a:lnR>
+                    <a:lnT w="12700" cmpd="sng">
+                      <a:noFill/>
+                    </a:lnT>
+                    <a:lnB w="38100" cmpd="sng">
+                      <a:noFill/>
+                    </a:lnB>
+                    <a:lnTlToBr w="12700" cmpd="sng">
+                      <a:noFill/>
+                      <a:prstDash val="solid"/>
+                    </a:lnTlToBr>
+                    <a:lnBlToTr w="12700" cmpd="sng">
+                      <a:noFill/>
+                      <a:prstDash val="solid"/>
+                    </a:lnBlToTr>
+                    <a:noFill/>
+                  </a:tcPr>
+                </a:tc>
+                <a:extLst>
+                  <a:ext uri="{0D108BD9-81ED-4DB2-BD59-A6C34878D82A}">
+                    <a16:rowId xmlns:a16="http://schemas.microsoft.com/office/drawing/2014/main" val="298807217"/>
+                  </a:ext>
+                </a:extLst>
+              </a:tr>
+            </a:tbl>
+          </a:graphicData>
+        </a:graphic>
+      </p:graphicFrame>
+    </p:spTree>
+    <p:extLst>
+      <p:ext uri="{BB962C8B-B14F-4D97-AF65-F5344CB8AC3E}">
+        <p14:creationId xmlns:p14="http://schemas.microsoft.com/office/powerpoint/2010/main" val="2078398388"/>
+      </p:ext>
+    </p:extLst>
+  </p:cSld>
+  <p:clrMapOvr>
+    <a:masterClrMapping/>
+  </p:clrMapOvr>
+</p:sld>
+</file>
+
+<file path=ppt/slides/slide21.xml><?xml version="1.0" encoding="utf-8"?>
+<p:sld xmlns:a="http://schemas.openxmlformats.org/drawingml/2006/main" xmlns:r="http://schemas.openxmlformats.org/officeDocument/2006/relationships" xmlns:p="http://schemas.openxmlformats.org/presentationml/2006/main">
+  <p:cSld>
+    <p:spTree>
+      <p:nvGrpSpPr>
+        <p:cNvPr id="1" name=""/>
+        <p:cNvGrpSpPr/>
+        <p:nvPr/>
+      </p:nvGrpSpPr>
+      <p:grpSpPr>
+        <a:xfrm>
+          <a:off x="0" y="0"/>
+          <a:ext cx="0" cy="0"/>
+          <a:chOff x="0" y="0"/>
+          <a:chExt cx="0" cy="0"/>
+        </a:xfrm>
+      </p:grpSpPr>
+      <p:pic>
+        <p:nvPicPr>
+          <p:cNvPr id="3" name="图片 2">
+            <a:extLst>
+              <a:ext uri="{FF2B5EF4-FFF2-40B4-BE49-F238E27FC236}">
+                <a16:creationId xmlns:a16="http://schemas.microsoft.com/office/drawing/2014/main" id="{C5FBDE45-A10E-4F90-9B58-4293B182906B}"/>
+              </a:ext>
+            </a:extLst>
+          </p:cNvPr>
+          <p:cNvPicPr>
+            <a:picLocks noChangeAspect="1"/>
+          </p:cNvPicPr>
+          <p:nvPr/>
+        </p:nvPicPr>
+        <p:blipFill>
+          <a:blip r:embed="rId3"/>
+          <a:stretch>
+            <a:fillRect/>
+          </a:stretch>
+        </p:blipFill>
+        <p:spPr>
+          <a:xfrm>
+            <a:off x="1473200" y="1829476"/>
+            <a:ext cx="9245600" cy="3199048"/>
+          </a:xfrm>
+          <a:prstGeom prst="rect">
+            <a:avLst/>
+          </a:prstGeom>
+        </p:spPr>
+      </p:pic>
+    </p:spTree>
+    <p:extLst>
+      <p:ext uri="{BB962C8B-B14F-4D97-AF65-F5344CB8AC3E}">
+        <p14:creationId xmlns:p14="http://schemas.microsoft.com/office/powerpoint/2010/main" val="2904166924"/>
       </p:ext>
     </p:extLst>
   </p:cSld>
@@ -4093,13 +6963,13 @@
           <p:nvPr>
             <p:extLst>
               <p:ext uri="{D42A27DB-BD31-4B8C-83A1-F6EECF244321}">
-                <p14:modId xmlns:p14="http://schemas.microsoft.com/office/powerpoint/2010/main" val="3395243231"/>
+                <p14:modId xmlns:p14="http://schemas.microsoft.com/office/powerpoint/2010/main" val="3600362813"/>
               </p:ext>
             </p:extLst>
           </p:nvPr>
         </p:nvGraphicFramePr>
         <p:xfrm>
-          <a:off x="1146386" y="5914283"/>
+          <a:off x="1146386" y="5765762"/>
           <a:ext cx="10207413" cy="370840"/>
         </p:xfrm>
         <a:graphic>
@@ -4293,6 +7163,974 @@
     <p:extLst>
       <p:ext uri="{BB962C8B-B14F-4D97-AF65-F5344CB8AC3E}">
         <p14:creationId xmlns:p14="http://schemas.microsoft.com/office/powerpoint/2010/main" val="1532397153"/>
+      </p:ext>
+    </p:extLst>
+  </p:cSld>
+  <p:clrMapOvr>
+    <a:masterClrMapping/>
+  </p:clrMapOvr>
+</p:sld>
+</file>
+
+<file path=ppt/slides/slide4.xml><?xml version="1.0" encoding="utf-8"?>
+<p:sld xmlns:a="http://schemas.openxmlformats.org/drawingml/2006/main" xmlns:r="http://schemas.openxmlformats.org/officeDocument/2006/relationships" xmlns:p="http://schemas.openxmlformats.org/presentationml/2006/main">
+  <p:cSld>
+    <p:spTree>
+      <p:nvGrpSpPr>
+        <p:cNvPr id="1" name=""/>
+        <p:cNvGrpSpPr/>
+        <p:nvPr/>
+      </p:nvGrpSpPr>
+      <p:grpSpPr>
+        <a:xfrm>
+          <a:off x="0" y="0"/>
+          <a:ext cx="0" cy="0"/>
+          <a:chOff x="0" y="0"/>
+          <a:chExt cx="0" cy="0"/>
+        </a:xfrm>
+      </p:grpSpPr>
+      <p:pic>
+        <p:nvPicPr>
+          <p:cNvPr id="3" name="图片 2">
+            <a:extLst>
+              <a:ext uri="{FF2B5EF4-FFF2-40B4-BE49-F238E27FC236}">
+                <a16:creationId xmlns:a16="http://schemas.microsoft.com/office/drawing/2014/main" id="{1A84A4EC-0831-4EFA-A6A4-447AC36A67E8}"/>
+              </a:ext>
+            </a:extLst>
+          </p:cNvPr>
+          <p:cNvPicPr>
+            <a:picLocks noChangeAspect="1"/>
+          </p:cNvPicPr>
+          <p:nvPr/>
+        </p:nvPicPr>
+        <p:blipFill>
+          <a:blip r:embed="rId3"/>
+          <a:stretch>
+            <a:fillRect/>
+          </a:stretch>
+        </p:blipFill>
+        <p:spPr>
+          <a:xfrm>
+            <a:off x="2989978" y="1625599"/>
+            <a:ext cx="6212044" cy="2989045"/>
+          </a:xfrm>
+          <a:prstGeom prst="rect">
+            <a:avLst/>
+          </a:prstGeom>
+        </p:spPr>
+      </p:pic>
+      <p:graphicFrame>
+        <p:nvGraphicFramePr>
+          <p:cNvPr id="4" name="表格 18">
+            <a:extLst>
+              <a:ext uri="{FF2B5EF4-FFF2-40B4-BE49-F238E27FC236}">
+                <a16:creationId xmlns:a16="http://schemas.microsoft.com/office/drawing/2014/main" id="{098794F6-705F-4997-BD25-81333B989922}"/>
+              </a:ext>
+            </a:extLst>
+          </p:cNvPr>
+          <p:cNvGraphicFramePr>
+            <a:graphicFrameLocks noGrp="1"/>
+          </p:cNvGraphicFramePr>
+          <p:nvPr>
+            <p:extLst>
+              <p:ext uri="{D42A27DB-BD31-4B8C-83A1-F6EECF244321}">
+                <p14:modId xmlns:p14="http://schemas.microsoft.com/office/powerpoint/2010/main" val="3872412970"/>
+              </p:ext>
+            </p:extLst>
+          </p:nvPr>
+        </p:nvGraphicFramePr>
+        <p:xfrm>
+          <a:off x="2989978" y="4614644"/>
+          <a:ext cx="6212044" cy="370840"/>
+        </p:xfrm>
+        <a:graphic>
+          <a:graphicData uri="http://schemas.openxmlformats.org/drawingml/2006/table">
+            <a:tbl>
+              <a:tblPr firstRow="1" bandRow="1">
+                <a:tableStyleId>{5C22544A-7EE6-4342-B048-85BDC9FD1C3A}</a:tableStyleId>
+              </a:tblPr>
+              <a:tblGrid>
+                <a:gridCol w="3106022">
+                  <a:extLst>
+                    <a:ext uri="{9D8B030D-6E8A-4147-A177-3AD203B41FA5}">
+                      <a16:colId xmlns:a16="http://schemas.microsoft.com/office/drawing/2014/main" val="1402480208"/>
+                    </a:ext>
+                  </a:extLst>
+                </a:gridCol>
+                <a:gridCol w="3106022">
+                  <a:extLst>
+                    <a:ext uri="{9D8B030D-6E8A-4147-A177-3AD203B41FA5}">
+                      <a16:colId xmlns:a16="http://schemas.microsoft.com/office/drawing/2014/main" val="4261842004"/>
+                    </a:ext>
+                  </a:extLst>
+                </a:gridCol>
+              </a:tblGrid>
+              <a:tr h="370840">
+                <a:tc>
+                  <a:txBody>
+                    <a:bodyPr/>
+                    <a:lstStyle/>
+                    <a:p>
+                      <a:pPr algn="ctr"/>
+                      <a:r>
+                        <a:rPr lang="en-US" altLang="zh-CN" b="0" dirty="0">
+                          <a:solidFill>
+                            <a:schemeClr val="tx1"/>
+                          </a:solidFill>
+                          <a:latin typeface="Times New Roman" panose="02020603050405020304" pitchFamily="18" charset="0"/>
+                          <a:cs typeface="Times New Roman" panose="02020603050405020304" pitchFamily="18" charset="0"/>
+                        </a:rPr>
+                        <a:t>(a)</a:t>
+                      </a:r>
+                      <a:endParaRPr lang="zh-CN" altLang="en-US" b="0" dirty="0">
+                        <a:solidFill>
+                          <a:schemeClr val="tx1"/>
+                        </a:solidFill>
+                        <a:latin typeface="Times New Roman" panose="02020603050405020304" pitchFamily="18" charset="0"/>
+                        <a:cs typeface="Times New Roman" panose="02020603050405020304" pitchFamily="18" charset="0"/>
+                      </a:endParaRPr>
+                    </a:p>
+                  </a:txBody>
+                  <a:tcPr>
+                    <a:lnL w="12700" cmpd="sng">
+                      <a:noFill/>
+                    </a:lnL>
+                    <a:lnR w="12700" cmpd="sng">
+                      <a:noFill/>
+                    </a:lnR>
+                    <a:lnT w="12700" cmpd="sng">
+                      <a:noFill/>
+                    </a:lnT>
+                    <a:lnB w="38100" cmpd="sng">
+                      <a:noFill/>
+                    </a:lnB>
+                    <a:lnTlToBr w="12700" cmpd="sng">
+                      <a:noFill/>
+                      <a:prstDash val="solid"/>
+                    </a:lnTlToBr>
+                    <a:lnBlToTr w="12700" cmpd="sng">
+                      <a:noFill/>
+                      <a:prstDash val="solid"/>
+                    </a:lnBlToTr>
+                    <a:noFill/>
+                  </a:tcPr>
+                </a:tc>
+                <a:tc>
+                  <a:txBody>
+                    <a:bodyPr/>
+                    <a:lstStyle/>
+                    <a:p>
+                      <a:pPr algn="ctr"/>
+                      <a:r>
+                        <a:rPr lang="en-US" altLang="zh-CN" b="0" dirty="0">
+                          <a:solidFill>
+                            <a:schemeClr val="tx1"/>
+                          </a:solidFill>
+                          <a:latin typeface="Times New Roman" panose="02020603050405020304" pitchFamily="18" charset="0"/>
+                          <a:cs typeface="Times New Roman" panose="02020603050405020304" pitchFamily="18" charset="0"/>
+                        </a:rPr>
+                        <a:t>(b)</a:t>
+                      </a:r>
+                      <a:endParaRPr lang="zh-CN" altLang="en-US" b="0" dirty="0">
+                        <a:solidFill>
+                          <a:schemeClr val="tx1"/>
+                        </a:solidFill>
+                        <a:latin typeface="Times New Roman" panose="02020603050405020304" pitchFamily="18" charset="0"/>
+                        <a:cs typeface="Times New Roman" panose="02020603050405020304" pitchFamily="18" charset="0"/>
+                      </a:endParaRPr>
+                    </a:p>
+                  </a:txBody>
+                  <a:tcPr>
+                    <a:lnL w="12700" cmpd="sng">
+                      <a:noFill/>
+                    </a:lnL>
+                    <a:lnR w="12700" cmpd="sng">
+                      <a:noFill/>
+                    </a:lnR>
+                    <a:lnT w="12700" cmpd="sng">
+                      <a:noFill/>
+                    </a:lnT>
+                    <a:lnB w="38100" cmpd="sng">
+                      <a:noFill/>
+                    </a:lnB>
+                    <a:lnTlToBr w="12700" cmpd="sng">
+                      <a:noFill/>
+                      <a:prstDash val="solid"/>
+                    </a:lnTlToBr>
+                    <a:lnBlToTr w="12700" cmpd="sng">
+                      <a:noFill/>
+                      <a:prstDash val="solid"/>
+                    </a:lnBlToTr>
+                    <a:noFill/>
+                  </a:tcPr>
+                </a:tc>
+                <a:extLst>
+                  <a:ext uri="{0D108BD9-81ED-4DB2-BD59-A6C34878D82A}">
+                    <a16:rowId xmlns:a16="http://schemas.microsoft.com/office/drawing/2014/main" val="298807217"/>
+                  </a:ext>
+                </a:extLst>
+              </a:tr>
+            </a:tbl>
+          </a:graphicData>
+        </a:graphic>
+      </p:graphicFrame>
+    </p:spTree>
+    <p:extLst>
+      <p:ext uri="{BB962C8B-B14F-4D97-AF65-F5344CB8AC3E}">
+        <p14:creationId xmlns:p14="http://schemas.microsoft.com/office/powerpoint/2010/main" val="2984928776"/>
+      </p:ext>
+    </p:extLst>
+  </p:cSld>
+  <p:clrMapOvr>
+    <a:masterClrMapping/>
+  </p:clrMapOvr>
+</p:sld>
+</file>
+
+<file path=ppt/slides/slide5.xml><?xml version="1.0" encoding="utf-8"?>
+<p:sld xmlns:a="http://schemas.openxmlformats.org/drawingml/2006/main" xmlns:r="http://schemas.openxmlformats.org/officeDocument/2006/relationships" xmlns:p="http://schemas.openxmlformats.org/presentationml/2006/main">
+  <p:cSld>
+    <p:spTree>
+      <p:nvGrpSpPr>
+        <p:cNvPr id="1" name=""/>
+        <p:cNvGrpSpPr/>
+        <p:nvPr/>
+      </p:nvGrpSpPr>
+      <p:grpSpPr>
+        <a:xfrm>
+          <a:off x="0" y="0"/>
+          <a:ext cx="0" cy="0"/>
+          <a:chOff x="0" y="0"/>
+          <a:chExt cx="0" cy="0"/>
+        </a:xfrm>
+      </p:grpSpPr>
+      <p:sp>
+        <p:nvSpPr>
+          <p:cNvPr id="5" name="标题 4">
+            <a:extLst>
+              <a:ext uri="{FF2B5EF4-FFF2-40B4-BE49-F238E27FC236}">
+                <a16:creationId xmlns:a16="http://schemas.microsoft.com/office/drawing/2014/main" id="{95290172-98DC-465C-9B95-96722EEB717E}"/>
+              </a:ext>
+            </a:extLst>
+          </p:cNvPr>
+          <p:cNvSpPr>
+            <a:spLocks noGrp="1"/>
+          </p:cNvSpPr>
+          <p:nvPr>
+            <p:ph type="title"/>
+          </p:nvPr>
+        </p:nvSpPr>
+        <p:spPr/>
+        <p:txBody>
+          <a:bodyPr/>
+          <a:lstStyle/>
+          <a:p>
+            <a:r>
+              <a:rPr lang="zh-CN" altLang="en-US" dirty="0"/>
+              <a:t>第二章</a:t>
+            </a:r>
+          </a:p>
+        </p:txBody>
+      </p:sp>
+      <p:sp>
+        <p:nvSpPr>
+          <p:cNvPr id="6" name="文本占位符 5">
+            <a:extLst>
+              <a:ext uri="{FF2B5EF4-FFF2-40B4-BE49-F238E27FC236}">
+                <a16:creationId xmlns:a16="http://schemas.microsoft.com/office/drawing/2014/main" id="{50CA8F9D-DB1D-4C9B-837B-0505C0057D72}"/>
+              </a:ext>
+            </a:extLst>
+          </p:cNvPr>
+          <p:cNvSpPr>
+            <a:spLocks noGrp="1"/>
+          </p:cNvSpPr>
+          <p:nvPr>
+            <p:ph type="body" idx="1"/>
+          </p:nvPr>
+        </p:nvSpPr>
+        <p:spPr/>
+        <p:txBody>
+          <a:bodyPr/>
+          <a:lstStyle/>
+          <a:p>
+            <a:endParaRPr lang="zh-CN" altLang="en-US"/>
+          </a:p>
+        </p:txBody>
+      </p:sp>
+    </p:spTree>
+    <p:extLst>
+      <p:ext uri="{BB962C8B-B14F-4D97-AF65-F5344CB8AC3E}">
+        <p14:creationId xmlns:p14="http://schemas.microsoft.com/office/powerpoint/2010/main" val="318414377"/>
+      </p:ext>
+    </p:extLst>
+  </p:cSld>
+  <p:clrMapOvr>
+    <a:masterClrMapping/>
+  </p:clrMapOvr>
+</p:sld>
+</file>
+
+<file path=ppt/slides/slide6.xml><?xml version="1.0" encoding="utf-8"?>
+<p:sld xmlns:a="http://schemas.openxmlformats.org/drawingml/2006/main" xmlns:r="http://schemas.openxmlformats.org/officeDocument/2006/relationships" xmlns:p="http://schemas.openxmlformats.org/presentationml/2006/main">
+  <p:cSld>
+    <p:spTree>
+      <p:nvGrpSpPr>
+        <p:cNvPr id="1" name=""/>
+        <p:cNvGrpSpPr/>
+        <p:nvPr/>
+      </p:nvGrpSpPr>
+      <p:grpSpPr>
+        <a:xfrm>
+          <a:off x="0" y="0"/>
+          <a:ext cx="0" cy="0"/>
+          <a:chOff x="0" y="0"/>
+          <a:chExt cx="0" cy="0"/>
+        </a:xfrm>
+      </p:grpSpPr>
+      <p:pic>
+        <p:nvPicPr>
+          <p:cNvPr id="3" name="图片 2">
+            <a:extLst>
+              <a:ext uri="{FF2B5EF4-FFF2-40B4-BE49-F238E27FC236}">
+                <a16:creationId xmlns:a16="http://schemas.microsoft.com/office/drawing/2014/main" id="{B350C75D-744A-4267-8A16-3735DEF6F77D}"/>
+              </a:ext>
+            </a:extLst>
+          </p:cNvPr>
+          <p:cNvPicPr>
+            <a:picLocks noChangeAspect="1"/>
+          </p:cNvPicPr>
+          <p:nvPr/>
+        </p:nvPicPr>
+        <p:blipFill>
+          <a:blip r:embed="rId3"/>
+          <a:stretch>
+            <a:fillRect/>
+          </a:stretch>
+        </p:blipFill>
+        <p:spPr>
+          <a:xfrm>
+            <a:off x="877454" y="2145209"/>
+            <a:ext cx="5597603" cy="2567581"/>
+          </a:xfrm>
+          <a:prstGeom prst="rect">
+            <a:avLst/>
+          </a:prstGeom>
+        </p:spPr>
+      </p:pic>
+      <p:pic>
+        <p:nvPicPr>
+          <p:cNvPr id="4" name="图片 3">
+            <a:extLst>
+              <a:ext uri="{FF2B5EF4-FFF2-40B4-BE49-F238E27FC236}">
+                <a16:creationId xmlns:a16="http://schemas.microsoft.com/office/drawing/2014/main" id="{8B26193D-335B-467E-8EA3-42AB220B9A09}"/>
+              </a:ext>
+            </a:extLst>
+          </p:cNvPr>
+          <p:cNvPicPr>
+            <a:picLocks noChangeAspect="1"/>
+          </p:cNvPicPr>
+          <p:nvPr/>
+        </p:nvPicPr>
+        <p:blipFill>
+          <a:blip r:embed="rId4"/>
+          <a:stretch>
+            <a:fillRect/>
+          </a:stretch>
+        </p:blipFill>
+        <p:spPr>
+          <a:xfrm>
+            <a:off x="6585893" y="2145209"/>
+            <a:ext cx="4355717" cy="2567581"/>
+          </a:xfrm>
+          <a:prstGeom prst="rect">
+            <a:avLst/>
+          </a:prstGeom>
+        </p:spPr>
+      </p:pic>
+      <p:graphicFrame>
+        <p:nvGraphicFramePr>
+          <p:cNvPr id="5" name="表格 18">
+            <a:extLst>
+              <a:ext uri="{FF2B5EF4-FFF2-40B4-BE49-F238E27FC236}">
+                <a16:creationId xmlns:a16="http://schemas.microsoft.com/office/drawing/2014/main" id="{522CDBDF-13EF-4CB2-89EF-4C8FB5E333A5}"/>
+              </a:ext>
+            </a:extLst>
+          </p:cNvPr>
+          <p:cNvGraphicFramePr>
+            <a:graphicFrameLocks noGrp="1"/>
+          </p:cNvGraphicFramePr>
+          <p:nvPr>
+            <p:extLst>
+              <p:ext uri="{D42A27DB-BD31-4B8C-83A1-F6EECF244321}">
+                <p14:modId xmlns:p14="http://schemas.microsoft.com/office/powerpoint/2010/main" val="2969135929"/>
+              </p:ext>
+            </p:extLst>
+          </p:nvPr>
+        </p:nvGraphicFramePr>
+        <p:xfrm>
+          <a:off x="877454" y="4712790"/>
+          <a:ext cx="10064156" cy="370840"/>
+        </p:xfrm>
+        <a:graphic>
+          <a:graphicData uri="http://schemas.openxmlformats.org/drawingml/2006/table">
+            <a:tbl>
+              <a:tblPr firstRow="1" bandRow="1">
+                <a:tableStyleId>{5C22544A-7EE6-4342-B048-85BDC9FD1C3A}</a:tableStyleId>
+              </a:tblPr>
+              <a:tblGrid>
+                <a:gridCol w="5597238">
+                  <a:extLst>
+                    <a:ext uri="{9D8B030D-6E8A-4147-A177-3AD203B41FA5}">
+                      <a16:colId xmlns:a16="http://schemas.microsoft.com/office/drawing/2014/main" val="1402480208"/>
+                    </a:ext>
+                  </a:extLst>
+                </a:gridCol>
+                <a:gridCol w="4466918">
+                  <a:extLst>
+                    <a:ext uri="{9D8B030D-6E8A-4147-A177-3AD203B41FA5}">
+                      <a16:colId xmlns:a16="http://schemas.microsoft.com/office/drawing/2014/main" val="4261842004"/>
+                    </a:ext>
+                  </a:extLst>
+                </a:gridCol>
+              </a:tblGrid>
+              <a:tr h="370840">
+                <a:tc>
+                  <a:txBody>
+                    <a:bodyPr/>
+                    <a:lstStyle/>
+                    <a:p>
+                      <a:pPr algn="ctr"/>
+                      <a:r>
+                        <a:rPr lang="en-US" altLang="zh-CN" b="0" dirty="0">
+                          <a:solidFill>
+                            <a:schemeClr val="tx1"/>
+                          </a:solidFill>
+                          <a:latin typeface="Times New Roman" panose="02020603050405020304" pitchFamily="18" charset="0"/>
+                          <a:cs typeface="Times New Roman" panose="02020603050405020304" pitchFamily="18" charset="0"/>
+                        </a:rPr>
+                        <a:t>(a)</a:t>
+                      </a:r>
+                      <a:endParaRPr lang="zh-CN" altLang="en-US" b="0" dirty="0">
+                        <a:solidFill>
+                          <a:schemeClr val="tx1"/>
+                        </a:solidFill>
+                        <a:latin typeface="Times New Roman" panose="02020603050405020304" pitchFamily="18" charset="0"/>
+                        <a:cs typeface="Times New Roman" panose="02020603050405020304" pitchFamily="18" charset="0"/>
+                      </a:endParaRPr>
+                    </a:p>
+                  </a:txBody>
+                  <a:tcPr>
+                    <a:lnL w="12700" cmpd="sng">
+                      <a:noFill/>
+                    </a:lnL>
+                    <a:lnR w="12700" cmpd="sng">
+                      <a:noFill/>
+                    </a:lnR>
+                    <a:lnT w="12700" cmpd="sng">
+                      <a:noFill/>
+                    </a:lnT>
+                    <a:lnB w="38100" cmpd="sng">
+                      <a:noFill/>
+                    </a:lnB>
+                    <a:lnTlToBr w="12700" cmpd="sng">
+                      <a:noFill/>
+                      <a:prstDash val="solid"/>
+                    </a:lnTlToBr>
+                    <a:lnBlToTr w="12700" cmpd="sng">
+                      <a:noFill/>
+                      <a:prstDash val="solid"/>
+                    </a:lnBlToTr>
+                    <a:noFill/>
+                  </a:tcPr>
+                </a:tc>
+                <a:tc>
+                  <a:txBody>
+                    <a:bodyPr/>
+                    <a:lstStyle/>
+                    <a:p>
+                      <a:pPr algn="ctr"/>
+                      <a:r>
+                        <a:rPr lang="en-US" altLang="zh-CN" b="0" dirty="0">
+                          <a:solidFill>
+                            <a:schemeClr val="tx1"/>
+                          </a:solidFill>
+                          <a:latin typeface="Times New Roman" panose="02020603050405020304" pitchFamily="18" charset="0"/>
+                          <a:cs typeface="Times New Roman" panose="02020603050405020304" pitchFamily="18" charset="0"/>
+                        </a:rPr>
+                        <a:t>(b)</a:t>
+                      </a:r>
+                      <a:endParaRPr lang="zh-CN" altLang="en-US" b="0" dirty="0">
+                        <a:solidFill>
+                          <a:schemeClr val="tx1"/>
+                        </a:solidFill>
+                        <a:latin typeface="Times New Roman" panose="02020603050405020304" pitchFamily="18" charset="0"/>
+                        <a:cs typeface="Times New Roman" panose="02020603050405020304" pitchFamily="18" charset="0"/>
+                      </a:endParaRPr>
+                    </a:p>
+                  </a:txBody>
+                  <a:tcPr>
+                    <a:lnL w="12700" cmpd="sng">
+                      <a:noFill/>
+                    </a:lnL>
+                    <a:lnR w="12700" cmpd="sng">
+                      <a:noFill/>
+                    </a:lnR>
+                    <a:lnT w="12700" cmpd="sng">
+                      <a:noFill/>
+                    </a:lnT>
+                    <a:lnB w="38100" cmpd="sng">
+                      <a:noFill/>
+                    </a:lnB>
+                    <a:lnTlToBr w="12700" cmpd="sng">
+                      <a:noFill/>
+                      <a:prstDash val="solid"/>
+                    </a:lnTlToBr>
+                    <a:lnBlToTr w="12700" cmpd="sng">
+                      <a:noFill/>
+                      <a:prstDash val="solid"/>
+                    </a:lnBlToTr>
+                    <a:noFill/>
+                  </a:tcPr>
+                </a:tc>
+                <a:extLst>
+                  <a:ext uri="{0D108BD9-81ED-4DB2-BD59-A6C34878D82A}">
+                    <a16:rowId xmlns:a16="http://schemas.microsoft.com/office/drawing/2014/main" val="298807217"/>
+                  </a:ext>
+                </a:extLst>
+              </a:tr>
+            </a:tbl>
+          </a:graphicData>
+        </a:graphic>
+      </p:graphicFrame>
+    </p:spTree>
+    <p:extLst>
+      <p:ext uri="{BB962C8B-B14F-4D97-AF65-F5344CB8AC3E}">
+        <p14:creationId xmlns:p14="http://schemas.microsoft.com/office/powerpoint/2010/main" val="1498638285"/>
+      </p:ext>
+    </p:extLst>
+  </p:cSld>
+  <p:clrMapOvr>
+    <a:masterClrMapping/>
+  </p:clrMapOvr>
+</p:sld>
+</file>
+
+<file path=ppt/slides/slide7.xml><?xml version="1.0" encoding="utf-8"?>
+<p:sld xmlns:a="http://schemas.openxmlformats.org/drawingml/2006/main" xmlns:r="http://schemas.openxmlformats.org/officeDocument/2006/relationships" xmlns:p="http://schemas.openxmlformats.org/presentationml/2006/main">
+  <p:cSld>
+    <p:spTree>
+      <p:nvGrpSpPr>
+        <p:cNvPr id="1" name=""/>
+        <p:cNvGrpSpPr/>
+        <p:nvPr/>
+      </p:nvGrpSpPr>
+      <p:grpSpPr>
+        <a:xfrm>
+          <a:off x="0" y="0"/>
+          <a:ext cx="0" cy="0"/>
+          <a:chOff x="0" y="0"/>
+          <a:chExt cx="0" cy="0"/>
+        </a:xfrm>
+      </p:grpSpPr>
+      <p:pic>
+        <p:nvPicPr>
+          <p:cNvPr id="3" name="图片 2">
+            <a:extLst>
+              <a:ext uri="{FF2B5EF4-FFF2-40B4-BE49-F238E27FC236}">
+                <a16:creationId xmlns:a16="http://schemas.microsoft.com/office/drawing/2014/main" id="{8FFCC5FB-C799-4100-9F57-8B1870098580}"/>
+              </a:ext>
+            </a:extLst>
+          </p:cNvPr>
+          <p:cNvPicPr>
+            <a:picLocks noChangeAspect="1"/>
+          </p:cNvPicPr>
+          <p:nvPr/>
+        </p:nvPicPr>
+        <p:blipFill>
+          <a:blip r:embed="rId3"/>
+          <a:stretch>
+            <a:fillRect/>
+          </a:stretch>
+        </p:blipFill>
+        <p:spPr>
+          <a:xfrm>
+            <a:off x="1010757" y="2237822"/>
+            <a:ext cx="6161905" cy="2733333"/>
+          </a:xfrm>
+          <a:prstGeom prst="rect">
+            <a:avLst/>
+          </a:prstGeom>
+        </p:spPr>
+      </p:pic>
+      <p:pic>
+        <p:nvPicPr>
+          <p:cNvPr id="4" name="图片 3">
+            <a:extLst>
+              <a:ext uri="{FF2B5EF4-FFF2-40B4-BE49-F238E27FC236}">
+                <a16:creationId xmlns:a16="http://schemas.microsoft.com/office/drawing/2014/main" id="{BD80C1C3-BD5F-4C1B-9431-5DE496351EEE}"/>
+              </a:ext>
+            </a:extLst>
+          </p:cNvPr>
+          <p:cNvPicPr>
+            <a:picLocks noChangeAspect="1"/>
+          </p:cNvPicPr>
+          <p:nvPr/>
+        </p:nvPicPr>
+        <p:blipFill>
+          <a:blip r:embed="rId4"/>
+          <a:stretch>
+            <a:fillRect/>
+          </a:stretch>
+        </p:blipFill>
+        <p:spPr>
+          <a:xfrm>
+            <a:off x="7089535" y="2237822"/>
+            <a:ext cx="4266667" cy="2923809"/>
+          </a:xfrm>
+          <a:prstGeom prst="rect">
+            <a:avLst/>
+          </a:prstGeom>
+        </p:spPr>
+      </p:pic>
+    </p:spTree>
+    <p:extLst>
+      <p:ext uri="{BB962C8B-B14F-4D97-AF65-F5344CB8AC3E}">
+        <p14:creationId xmlns:p14="http://schemas.microsoft.com/office/powerpoint/2010/main" val="3748433220"/>
+      </p:ext>
+    </p:extLst>
+  </p:cSld>
+  <p:clrMapOvr>
+    <a:masterClrMapping/>
+  </p:clrMapOvr>
+</p:sld>
+</file>
+
+<file path=ppt/slides/slide8.xml><?xml version="1.0" encoding="utf-8"?>
+<p:sld xmlns:a="http://schemas.openxmlformats.org/drawingml/2006/main" xmlns:r="http://schemas.openxmlformats.org/officeDocument/2006/relationships" xmlns:p="http://schemas.openxmlformats.org/presentationml/2006/main">
+  <p:cSld>
+    <p:spTree>
+      <p:nvGrpSpPr>
+        <p:cNvPr id="1" name=""/>
+        <p:cNvGrpSpPr/>
+        <p:nvPr/>
+      </p:nvGrpSpPr>
+      <p:grpSpPr>
+        <a:xfrm>
+          <a:off x="0" y="0"/>
+          <a:ext cx="0" cy="0"/>
+          <a:chOff x="0" y="0"/>
+          <a:chExt cx="0" cy="0"/>
+        </a:xfrm>
+      </p:grpSpPr>
+      <p:pic>
+        <p:nvPicPr>
+          <p:cNvPr id="4" name="图片 3">
+            <a:extLst>
+              <a:ext uri="{FF2B5EF4-FFF2-40B4-BE49-F238E27FC236}">
+                <a16:creationId xmlns:a16="http://schemas.microsoft.com/office/drawing/2014/main" id="{CE4C445D-3A1F-4B1F-8487-9DA728D61458}"/>
+              </a:ext>
+            </a:extLst>
+          </p:cNvPr>
+          <p:cNvPicPr>
+            <a:picLocks noChangeAspect="1"/>
+          </p:cNvPicPr>
+          <p:nvPr/>
+        </p:nvPicPr>
+        <p:blipFill>
+          <a:blip r:embed="rId3"/>
+          <a:stretch>
+            <a:fillRect/>
+          </a:stretch>
+        </p:blipFill>
+        <p:spPr>
+          <a:xfrm>
+            <a:off x="5778537" y="1883537"/>
+            <a:ext cx="5776154" cy="3414107"/>
+          </a:xfrm>
+          <a:prstGeom prst="rect">
+            <a:avLst/>
+          </a:prstGeom>
+        </p:spPr>
+      </p:pic>
+      <p:pic>
+        <p:nvPicPr>
+          <p:cNvPr id="5" name="图片 4">
+            <a:extLst>
+              <a:ext uri="{FF2B5EF4-FFF2-40B4-BE49-F238E27FC236}">
+                <a16:creationId xmlns:a16="http://schemas.microsoft.com/office/drawing/2014/main" id="{7D7A8C60-8EFA-4A39-BDEC-3E33A469675F}"/>
+              </a:ext>
+            </a:extLst>
+          </p:cNvPr>
+          <p:cNvPicPr>
+            <a:picLocks noChangeAspect="1"/>
+          </p:cNvPicPr>
+          <p:nvPr/>
+        </p:nvPicPr>
+        <p:blipFill>
+          <a:blip r:embed="rId4"/>
+          <a:stretch>
+            <a:fillRect/>
+          </a:stretch>
+        </p:blipFill>
+        <p:spPr>
+          <a:xfrm>
+            <a:off x="753991" y="2325743"/>
+            <a:ext cx="4895238" cy="2971429"/>
+          </a:xfrm>
+          <a:prstGeom prst="rect">
+            <a:avLst/>
+          </a:prstGeom>
+        </p:spPr>
+      </p:pic>
+    </p:spTree>
+    <p:extLst>
+      <p:ext uri="{BB962C8B-B14F-4D97-AF65-F5344CB8AC3E}">
+        <p14:creationId xmlns:p14="http://schemas.microsoft.com/office/powerpoint/2010/main" val="2284423823"/>
+      </p:ext>
+    </p:extLst>
+  </p:cSld>
+  <p:clrMapOvr>
+    <a:masterClrMapping/>
+  </p:clrMapOvr>
+</p:sld>
+</file>
+
+<file path=ppt/slides/slide9.xml><?xml version="1.0" encoding="utf-8"?>
+<p:sld xmlns:a="http://schemas.openxmlformats.org/drawingml/2006/main" xmlns:r="http://schemas.openxmlformats.org/officeDocument/2006/relationships" xmlns:p="http://schemas.openxmlformats.org/presentationml/2006/main">
+  <p:cSld>
+    <p:spTree>
+      <p:nvGrpSpPr>
+        <p:cNvPr id="1" name=""/>
+        <p:cNvGrpSpPr/>
+        <p:nvPr/>
+      </p:nvGrpSpPr>
+      <p:grpSpPr>
+        <a:xfrm>
+          <a:off x="0" y="0"/>
+          <a:ext cx="0" cy="0"/>
+          <a:chOff x="0" y="0"/>
+          <a:chExt cx="0" cy="0"/>
+        </a:xfrm>
+      </p:grpSpPr>
+      <p:pic>
+        <p:nvPicPr>
+          <p:cNvPr id="5" name="图片 4">
+            <a:extLst>
+              <a:ext uri="{FF2B5EF4-FFF2-40B4-BE49-F238E27FC236}">
+                <a16:creationId xmlns:a16="http://schemas.microsoft.com/office/drawing/2014/main" id="{FF104BD8-01C6-4C4C-8C47-44230059A225}"/>
+              </a:ext>
+            </a:extLst>
+          </p:cNvPr>
+          <p:cNvPicPr>
+            <a:picLocks noChangeAspect="1"/>
+          </p:cNvPicPr>
+          <p:nvPr/>
+        </p:nvPicPr>
+        <p:blipFill>
+          <a:blip r:embed="rId3"/>
+          <a:stretch>
+            <a:fillRect/>
+          </a:stretch>
+        </p:blipFill>
+        <p:spPr>
+          <a:xfrm>
+            <a:off x="7069769" y="2242342"/>
+            <a:ext cx="4896939" cy="2632269"/>
+          </a:xfrm>
+          <a:prstGeom prst="rect">
+            <a:avLst/>
+          </a:prstGeom>
+        </p:spPr>
+      </p:pic>
+      <p:pic>
+        <p:nvPicPr>
+          <p:cNvPr id="6" name="图片 5">
+            <a:extLst>
+              <a:ext uri="{FF2B5EF4-FFF2-40B4-BE49-F238E27FC236}">
+                <a16:creationId xmlns:a16="http://schemas.microsoft.com/office/drawing/2014/main" id="{370CCC53-A8C3-4344-9D85-3E00F8C90129}"/>
+              </a:ext>
+            </a:extLst>
+          </p:cNvPr>
+          <p:cNvPicPr>
+            <a:picLocks noChangeAspect="1"/>
+          </p:cNvPicPr>
+          <p:nvPr/>
+        </p:nvPicPr>
+        <p:blipFill>
+          <a:blip r:embed="rId4"/>
+          <a:stretch>
+            <a:fillRect/>
+          </a:stretch>
+        </p:blipFill>
+        <p:spPr>
+          <a:xfrm>
+            <a:off x="92364" y="2505147"/>
+            <a:ext cx="6821006" cy="2369464"/>
+          </a:xfrm>
+          <a:prstGeom prst="rect">
+            <a:avLst/>
+          </a:prstGeom>
+        </p:spPr>
+      </p:pic>
+      <p:graphicFrame>
+        <p:nvGraphicFramePr>
+          <p:cNvPr id="7" name="表格 18">
+            <a:extLst>
+              <a:ext uri="{FF2B5EF4-FFF2-40B4-BE49-F238E27FC236}">
+                <a16:creationId xmlns:a16="http://schemas.microsoft.com/office/drawing/2014/main" id="{FD183426-ED5E-4F20-8B5D-3083B2348FA0}"/>
+              </a:ext>
+            </a:extLst>
+          </p:cNvPr>
+          <p:cNvGraphicFramePr>
+            <a:graphicFrameLocks noGrp="1"/>
+          </p:cNvGraphicFramePr>
+          <p:nvPr>
+            <p:extLst>
+              <p:ext uri="{D42A27DB-BD31-4B8C-83A1-F6EECF244321}">
+                <p14:modId xmlns:p14="http://schemas.microsoft.com/office/powerpoint/2010/main" val="2279360786"/>
+              </p:ext>
+            </p:extLst>
+          </p:nvPr>
+        </p:nvGraphicFramePr>
+        <p:xfrm>
+          <a:off x="92364" y="4874611"/>
+          <a:ext cx="11874344" cy="370840"/>
+        </p:xfrm>
+        <a:graphic>
+          <a:graphicData uri="http://schemas.openxmlformats.org/drawingml/2006/table">
+            <a:tbl>
+              <a:tblPr firstRow="1" bandRow="1">
+                <a:tableStyleId>{5C22544A-7EE6-4342-B048-85BDC9FD1C3A}</a:tableStyleId>
+              </a:tblPr>
+              <a:tblGrid>
+                <a:gridCol w="6890327">
+                  <a:extLst>
+                    <a:ext uri="{9D8B030D-6E8A-4147-A177-3AD203B41FA5}">
+                      <a16:colId xmlns:a16="http://schemas.microsoft.com/office/drawing/2014/main" val="1402480208"/>
+                    </a:ext>
+                  </a:extLst>
+                </a:gridCol>
+                <a:gridCol w="4984017">
+                  <a:extLst>
+                    <a:ext uri="{9D8B030D-6E8A-4147-A177-3AD203B41FA5}">
+                      <a16:colId xmlns:a16="http://schemas.microsoft.com/office/drawing/2014/main" val="4261842004"/>
+                    </a:ext>
+                  </a:extLst>
+                </a:gridCol>
+              </a:tblGrid>
+              <a:tr h="370840">
+                <a:tc>
+                  <a:txBody>
+                    <a:bodyPr/>
+                    <a:lstStyle/>
+                    <a:p>
+                      <a:pPr algn="ctr"/>
+                      <a:r>
+                        <a:rPr lang="en-US" altLang="zh-CN" b="0" dirty="0">
+                          <a:solidFill>
+                            <a:schemeClr val="tx1"/>
+                          </a:solidFill>
+                          <a:latin typeface="Times New Roman" panose="02020603050405020304" pitchFamily="18" charset="0"/>
+                          <a:cs typeface="Times New Roman" panose="02020603050405020304" pitchFamily="18" charset="0"/>
+                        </a:rPr>
+                        <a:t>(a)</a:t>
+                      </a:r>
+                      <a:endParaRPr lang="zh-CN" altLang="en-US" b="0" dirty="0">
+                        <a:solidFill>
+                          <a:schemeClr val="tx1"/>
+                        </a:solidFill>
+                        <a:latin typeface="Times New Roman" panose="02020603050405020304" pitchFamily="18" charset="0"/>
+                        <a:cs typeface="Times New Roman" panose="02020603050405020304" pitchFamily="18" charset="0"/>
+                      </a:endParaRPr>
+                    </a:p>
+                  </a:txBody>
+                  <a:tcPr>
+                    <a:lnL w="12700" cmpd="sng">
+                      <a:noFill/>
+                    </a:lnL>
+                    <a:lnR w="12700" cmpd="sng">
+                      <a:noFill/>
+                    </a:lnR>
+                    <a:lnT w="12700" cmpd="sng">
+                      <a:noFill/>
+                    </a:lnT>
+                    <a:lnB w="38100" cmpd="sng">
+                      <a:noFill/>
+                    </a:lnB>
+                    <a:lnTlToBr w="12700" cmpd="sng">
+                      <a:noFill/>
+                      <a:prstDash val="solid"/>
+                    </a:lnTlToBr>
+                    <a:lnBlToTr w="12700" cmpd="sng">
+                      <a:noFill/>
+                      <a:prstDash val="solid"/>
+                    </a:lnBlToTr>
+                    <a:noFill/>
+                  </a:tcPr>
+                </a:tc>
+                <a:tc>
+                  <a:txBody>
+                    <a:bodyPr/>
+                    <a:lstStyle/>
+                    <a:p>
+                      <a:pPr algn="ctr"/>
+                      <a:r>
+                        <a:rPr lang="en-US" altLang="zh-CN" b="0" dirty="0">
+                          <a:solidFill>
+                            <a:schemeClr val="tx1"/>
+                          </a:solidFill>
+                          <a:latin typeface="Times New Roman" panose="02020603050405020304" pitchFamily="18" charset="0"/>
+                          <a:cs typeface="Times New Roman" panose="02020603050405020304" pitchFamily="18" charset="0"/>
+                        </a:rPr>
+                        <a:t>(b)</a:t>
+                      </a:r>
+                      <a:endParaRPr lang="zh-CN" altLang="en-US" b="0" dirty="0">
+                        <a:solidFill>
+                          <a:schemeClr val="tx1"/>
+                        </a:solidFill>
+                        <a:latin typeface="Times New Roman" panose="02020603050405020304" pitchFamily="18" charset="0"/>
+                        <a:cs typeface="Times New Roman" panose="02020603050405020304" pitchFamily="18" charset="0"/>
+                      </a:endParaRPr>
+                    </a:p>
+                  </a:txBody>
+                  <a:tcPr>
+                    <a:lnL w="12700" cmpd="sng">
+                      <a:noFill/>
+                    </a:lnL>
+                    <a:lnR w="12700" cmpd="sng">
+                      <a:noFill/>
+                    </a:lnR>
+                    <a:lnT w="12700" cmpd="sng">
+                      <a:noFill/>
+                    </a:lnT>
+                    <a:lnB w="38100" cmpd="sng">
+                      <a:noFill/>
+                    </a:lnB>
+                    <a:lnTlToBr w="12700" cmpd="sng">
+                      <a:noFill/>
+                      <a:prstDash val="solid"/>
+                    </a:lnTlToBr>
+                    <a:lnBlToTr w="12700" cmpd="sng">
+                      <a:noFill/>
+                      <a:prstDash val="solid"/>
+                    </a:lnBlToTr>
+                    <a:noFill/>
+                  </a:tcPr>
+                </a:tc>
+                <a:extLst>
+                  <a:ext uri="{0D108BD9-81ED-4DB2-BD59-A6C34878D82A}">
+                    <a16:rowId xmlns:a16="http://schemas.microsoft.com/office/drawing/2014/main" val="298807217"/>
+                  </a:ext>
+                </a:extLst>
+              </a:tr>
+            </a:tbl>
+          </a:graphicData>
+        </a:graphic>
+      </p:graphicFrame>
+    </p:spTree>
+    <p:extLst>
+      <p:ext uri="{BB962C8B-B14F-4D97-AF65-F5344CB8AC3E}">
+        <p14:creationId xmlns:p14="http://schemas.microsoft.com/office/powerpoint/2010/main" val="2381232869"/>
       </p:ext>
     </p:extLst>
   </p:cSld>
